--- a/lsdm presentation/lsdm presentation.pptx
+++ b/lsdm presentation/lsdm presentation.pptx
@@ -5,7 +5,7 @@
     <p:sldMasterId id="2147483648" r:id="rId1"/>
   </p:sldMasterIdLst>
   <p:notesMasterIdLst>
-    <p:notesMasterId r:id="rId40"/>
+    <p:notesMasterId r:id="rId42"/>
   </p:notesMasterIdLst>
   <p:sldIdLst>
     <p:sldId id="256" r:id="rId2"/>
@@ -42,10 +42,12 @@
     <p:sldId id="296" r:id="rId33"/>
     <p:sldId id="297" r:id="rId34"/>
     <p:sldId id="298" r:id="rId35"/>
-    <p:sldId id="299" r:id="rId36"/>
-    <p:sldId id="300" r:id="rId37"/>
-    <p:sldId id="301" r:id="rId38"/>
-    <p:sldId id="291" r:id="rId39"/>
+    <p:sldId id="303" r:id="rId36"/>
+    <p:sldId id="299" r:id="rId37"/>
+    <p:sldId id="302" r:id="rId38"/>
+    <p:sldId id="300" r:id="rId39"/>
+    <p:sldId id="301" r:id="rId40"/>
+    <p:sldId id="291" r:id="rId41"/>
   </p:sldIdLst>
   <p:sldSz cx="12192000" cy="6858000"/>
   <p:notesSz cx="6858000" cy="9144000"/>
@@ -146,7 +148,7 @@
   </p:defaultTextStyle>
   <p:extLst>
     <p:ext uri="{EFAFB233-063F-42B5-8137-9DF3F51BA10A}">
-      <p15:sldGuideLst xmlns:p15="http://schemas.microsoft.com/office/powerpoint/2012/main">
+      <p15:sldGuideLst xmlns:p15="http://schemas.microsoft.com/office/powerpoint/2012/main" xmlns="">
         <p15:guide id="1" orient="horz" pos="2160">
           <p15:clr>
             <a:srgbClr val="A4A3A4"/>
@@ -245,7 +247,7 @@
           <a:p>
             <a:fld id="{3AC4B939-504B-4EA1-87F9-128FFE636A01}" type="datetimeFigureOut">
               <a:rPr lang="en-US" smtClean="0"/>
-              <a:t>5/5/2014</a:t>
+              <a:t>5/5/14</a:t>
             </a:fld>
             <a:endParaRPr lang="en-US" dirty="0"/>
           </a:p>
@@ -1105,6 +1107,90 @@
 </p:notes>
 </file>
 
+<file path=ppt/notesSlides/notesSlide8.xml><?xml version="1.0" encoding="utf-8"?>
+<p:notes xmlns:a="http://schemas.openxmlformats.org/drawingml/2006/main" xmlns:r="http://schemas.openxmlformats.org/officeDocument/2006/relationships" xmlns:p="http://schemas.openxmlformats.org/presentationml/2006/main">
+  <p:cSld>
+    <p:spTree>
+      <p:nvGrpSpPr>
+        <p:cNvPr id="1" name=""/>
+        <p:cNvGrpSpPr/>
+        <p:nvPr/>
+      </p:nvGrpSpPr>
+      <p:grpSpPr>
+        <a:xfrm>
+          <a:off x="0" y="0"/>
+          <a:ext cx="0" cy="0"/>
+          <a:chOff x="0" y="0"/>
+          <a:chExt cx="0" cy="0"/>
+        </a:xfrm>
+      </p:grpSpPr>
+      <p:sp>
+        <p:nvSpPr>
+          <p:cNvPr id="2" name="Slide Image Placeholder 1"/>
+          <p:cNvSpPr>
+            <a:spLocks noGrp="1" noRot="1" noChangeAspect="1"/>
+          </p:cNvSpPr>
+          <p:nvPr>
+            <p:ph type="sldImg"/>
+          </p:nvPr>
+        </p:nvSpPr>
+        <p:spPr/>
+      </p:sp>
+      <p:sp>
+        <p:nvSpPr>
+          <p:cNvPr id="3" name="Notes Placeholder 2"/>
+          <p:cNvSpPr>
+            <a:spLocks noGrp="1"/>
+          </p:cNvSpPr>
+          <p:nvPr>
+            <p:ph type="body" idx="1"/>
+          </p:nvPr>
+        </p:nvSpPr>
+        <p:spPr/>
+        <p:txBody>
+          <a:bodyPr/>
+          <a:lstStyle/>
+          <a:p>
+            <a:endParaRPr lang="en-US" dirty="0"/>
+          </a:p>
+        </p:txBody>
+      </p:sp>
+      <p:sp>
+        <p:nvSpPr>
+          <p:cNvPr id="4" name="Slide Number Placeholder 3"/>
+          <p:cNvSpPr>
+            <a:spLocks noGrp="1"/>
+          </p:cNvSpPr>
+          <p:nvPr>
+            <p:ph type="sldNum" sz="quarter" idx="10"/>
+          </p:nvPr>
+        </p:nvSpPr>
+        <p:spPr/>
+        <p:txBody>
+          <a:bodyPr/>
+          <a:lstStyle/>
+          <a:p>
+            <a:fld id="{CF1BAAD7-CA60-45EE-BEB4-B71CE3754221}" type="slidenum">
+              <a:rPr lang="en-US" smtClean="0"/>
+              <a:t>35</a:t>
+            </a:fld>
+            <a:endParaRPr lang="en-US"/>
+          </a:p>
+        </p:txBody>
+      </p:sp>
+    </p:spTree>
+    <p:extLst>
+      <p:ext uri="{BB962C8B-B14F-4D97-AF65-F5344CB8AC3E}">
+        <p14:creationId xmlns:p14="http://schemas.microsoft.com/office/powerpoint/2010/main" val="2843946630"/>
+      </p:ext>
+    </p:extLst>
+  </p:cSld>
+  <p:clrMapOvr>
+    <a:masterClrMapping/>
+  </p:clrMapOvr>
+</p:notes>
+</file>
+
 <file path=ppt/slideLayouts/slideLayout1.xml><?xml version="1.0" encoding="utf-8"?>
 <p:sldLayout xmlns:a="http://schemas.openxmlformats.org/drawingml/2006/main" xmlns:r="http://schemas.openxmlformats.org/officeDocument/2006/relationships" xmlns:p="http://schemas.openxmlformats.org/presentationml/2006/main" type="title" preserve="1">
   <p:cSld name="Title Slide">
@@ -1237,7 +1323,7 @@
             <a:fld id="{57F88A5F-42E7-47C0-91C3-1212BDC78CAF}" type="datetimeFigureOut">
               <a:rPr lang="en-US" smtClean="0"/>
               <a:pPr/>
-              <a:t>5/5/2014</a:t>
+              <a:t>5/5/14</a:t>
             </a:fld>
             <a:endParaRPr lang="en-US" dirty="0"/>
           </a:p>
@@ -1409,7 +1495,7 @@
             <a:fld id="{57F88A5F-42E7-47C0-91C3-1212BDC78CAF}" type="datetimeFigureOut">
               <a:rPr lang="en-US" smtClean="0"/>
               <a:pPr/>
-              <a:t>5/5/2014</a:t>
+              <a:t>5/5/14</a:t>
             </a:fld>
             <a:endParaRPr lang="en-US" dirty="0"/>
           </a:p>
@@ -1591,7 +1677,7 @@
             <a:fld id="{57F88A5F-42E7-47C0-91C3-1212BDC78CAF}" type="datetimeFigureOut">
               <a:rPr lang="en-US" smtClean="0"/>
               <a:pPr/>
-              <a:t>5/5/2014</a:t>
+              <a:t>5/5/14</a:t>
             </a:fld>
             <a:endParaRPr lang="en-US" dirty="0"/>
           </a:p>
@@ -1763,7 +1849,7 @@
             <a:fld id="{57F88A5F-42E7-47C0-91C3-1212BDC78CAF}" type="datetimeFigureOut">
               <a:rPr lang="en-US" smtClean="0"/>
               <a:pPr/>
-              <a:t>5/5/2014</a:t>
+              <a:t>5/5/14</a:t>
             </a:fld>
             <a:endParaRPr lang="en-US" dirty="0"/>
           </a:p>
@@ -2011,7 +2097,7 @@
             <a:fld id="{57F88A5F-42E7-47C0-91C3-1212BDC78CAF}" type="datetimeFigureOut">
               <a:rPr lang="en-US" smtClean="0"/>
               <a:pPr/>
-              <a:t>5/5/2014</a:t>
+              <a:t>5/5/14</a:t>
             </a:fld>
             <a:endParaRPr lang="en-US" dirty="0"/>
           </a:p>
@@ -2245,7 +2331,7 @@
             <a:fld id="{57F88A5F-42E7-47C0-91C3-1212BDC78CAF}" type="datetimeFigureOut">
               <a:rPr lang="en-US" smtClean="0"/>
               <a:pPr/>
-              <a:t>5/5/2014</a:t>
+              <a:t>5/5/14</a:t>
             </a:fld>
             <a:endParaRPr lang="en-US" dirty="0"/>
           </a:p>
@@ -2614,7 +2700,7 @@
             <a:fld id="{57F88A5F-42E7-47C0-91C3-1212BDC78CAF}" type="datetimeFigureOut">
               <a:rPr lang="en-US" smtClean="0"/>
               <a:pPr/>
-              <a:t>5/5/2014</a:t>
+              <a:t>5/5/14</a:t>
             </a:fld>
             <a:endParaRPr lang="en-US" dirty="0"/>
           </a:p>
@@ -2734,7 +2820,7 @@
             <a:fld id="{57F88A5F-42E7-47C0-91C3-1212BDC78CAF}" type="datetimeFigureOut">
               <a:rPr lang="en-US" smtClean="0"/>
               <a:pPr/>
-              <a:t>5/5/2014</a:t>
+              <a:t>5/5/14</a:t>
             </a:fld>
             <a:endParaRPr lang="en-US" dirty="0"/>
           </a:p>
@@ -2831,7 +2917,7 @@
             <a:fld id="{57F88A5F-42E7-47C0-91C3-1212BDC78CAF}" type="datetimeFigureOut">
               <a:rPr lang="en-US" smtClean="0"/>
               <a:pPr/>
-              <a:t>5/5/2014</a:t>
+              <a:t>5/5/14</a:t>
             </a:fld>
             <a:endParaRPr lang="en-US" dirty="0"/>
           </a:p>
@@ -3110,7 +3196,7 @@
             <a:fld id="{57F88A5F-42E7-47C0-91C3-1212BDC78CAF}" type="datetimeFigureOut">
               <a:rPr lang="en-US" smtClean="0"/>
               <a:pPr/>
-              <a:t>5/5/2014</a:t>
+              <a:t>5/5/14</a:t>
             </a:fld>
             <a:endParaRPr lang="en-US" dirty="0"/>
           </a:p>
@@ -3365,7 +3451,7 @@
             <a:fld id="{57F88A5F-42E7-47C0-91C3-1212BDC78CAF}" type="datetimeFigureOut">
               <a:rPr lang="en-US" smtClean="0"/>
               <a:pPr/>
-              <a:t>5/5/2014</a:t>
+              <a:t>5/5/14</a:t>
             </a:fld>
             <a:endParaRPr lang="en-US" dirty="0"/>
           </a:p>
@@ -3580,7 +3666,7 @@
             <a:fld id="{57F88A5F-42E7-47C0-91C3-1212BDC78CAF}" type="datetimeFigureOut">
               <a:rPr lang="en-US" smtClean="0"/>
               <a:pPr/>
-              <a:t>5/5/2014</a:t>
+              <a:t>5/5/14</a:t>
             </a:fld>
             <a:endParaRPr lang="en-US" dirty="0"/>
           </a:p>
@@ -4010,11 +4096,7 @@
           <a:p>
             <a:r>
               <a:rPr lang="en-US" b="1" dirty="0" smtClean="0"/>
-              <a:t>Building an Efficient RDF store over a Relational </a:t>
-            </a:r>
-            <a:r>
-              <a:rPr lang="en-US" b="1" dirty="0" smtClean="0"/>
-              <a:t>Database</a:t>
+              <a:t>Building an Efficient RDF store over a Relational Database</a:t>
             </a:r>
             <a:br>
               <a:rPr lang="en-US" b="1" dirty="0" smtClean="0"/>
@@ -4069,11 +4151,7 @@
             <a:pPr algn="just"/>
             <a:r>
               <a:rPr lang="en-US" b="1" u="sng" dirty="0" smtClean="0"/>
-              <a:t>Presented </a:t>
-            </a:r>
-            <a:r>
-              <a:rPr lang="en-US" b="1" u="sng" dirty="0" smtClean="0"/>
-              <a:t>by</a:t>
+              <a:t>Presented by</a:t>
             </a:r>
           </a:p>
           <a:p>
@@ -4118,7 +4196,6 @@
               <a:rPr lang="en-US" b="1" dirty="0" smtClean="0"/>
               <a:t>,</a:t>
             </a:r>
-            <a:endParaRPr lang="en-US" b="1" dirty="0" smtClean="0"/>
           </a:p>
           <a:p>
             <a:pPr algn="just"/>
@@ -4155,7 +4232,7 @@
   <p:timing>
     <p:tnLst>
       <p:par>
-        <p:cTn id="1" dur="indefinite" restart="never" nodeType="tmRoot"/>
+        <p:cTn xmlns:p14="http://schemas.microsoft.com/office/powerpoint/2010/main" id="1" dur="indefinite" restart="never" nodeType="tmRoot"/>
       </p:par>
     </p:tnLst>
   </p:timing>
@@ -4312,7 +4389,7 @@
   <p:timing>
     <p:tnLst>
       <p:par>
-        <p:cTn id="1" dur="indefinite" restart="never" nodeType="tmRoot"/>
+        <p:cTn xmlns:p14="http://schemas.microsoft.com/office/powerpoint/2010/main" id="1" dur="indefinite" restart="never" nodeType="tmRoot"/>
       </p:par>
     </p:tnLst>
   </p:timing>
@@ -4411,7 +4488,7 @@
   <p:timing>
     <p:tnLst>
       <p:par>
-        <p:cTn id="1" dur="indefinite" restart="never" nodeType="tmRoot"/>
+        <p:cTn xmlns:p14="http://schemas.microsoft.com/office/powerpoint/2010/main" id="1" dur="indefinite" restart="never" nodeType="tmRoot"/>
       </p:par>
     </p:tnLst>
   </p:timing>
@@ -4514,7 +4591,7 @@
   <p:timing>
     <p:tnLst>
       <p:par>
-        <p:cTn id="1" dur="indefinite" restart="never" nodeType="tmRoot"/>
+        <p:cTn xmlns:p14="http://schemas.microsoft.com/office/powerpoint/2010/main" id="1" dur="indefinite" restart="never" nodeType="tmRoot"/>
       </p:par>
     </p:tnLst>
   </p:timing>
@@ -4635,13 +4712,7 @@
               <a:rPr lang="en-US" sz="2800" dirty="0" smtClean="0">
                 <a:latin typeface="+mn-lt"/>
               </a:rPr>
-              <a:t>The </a:t>
-            </a:r>
-            <a:r>
-              <a:rPr lang="en-US" sz="2800" dirty="0" smtClean="0">
-                <a:latin typeface="+mn-lt"/>
-              </a:rPr>
-              <a:t>above figure will compare the results of three storage schemas.</a:t>
+              <a:t>The above figure will compare the results of three storage schemas.</a:t>
             </a:r>
             <a:br>
               <a:rPr lang="en-US" sz="2800" dirty="0" smtClean="0">
@@ -4763,7 +4834,7 @@
   <p:timing>
     <p:tnLst>
       <p:par>
-        <p:cTn id="1" dur="indefinite" restart="never" nodeType="tmRoot"/>
+        <p:cTn xmlns:p14="http://schemas.microsoft.com/office/powerpoint/2010/main" id="1" dur="indefinite" restart="never" nodeType="tmRoot"/>
       </p:par>
     </p:tnLst>
   </p:timing>
@@ -4873,7 +4944,7 @@
   <p:timing>
     <p:tnLst>
       <p:par>
-        <p:cTn id="1" dur="indefinite" restart="never" nodeType="tmRoot"/>
+        <p:cTn xmlns:p14="http://schemas.microsoft.com/office/powerpoint/2010/main" id="1" dur="indefinite" restart="never" nodeType="tmRoot"/>
       </p:par>
     </p:tnLst>
   </p:timing>
@@ -4999,7 +5070,7 @@
   <p:timing>
     <p:tnLst>
       <p:par>
-        <p:cTn id="1" dur="indefinite" restart="never" nodeType="tmRoot"/>
+        <p:cTn xmlns:p14="http://schemas.microsoft.com/office/powerpoint/2010/main" id="1" dur="indefinite" restart="never" nodeType="tmRoot"/>
       </p:par>
     </p:tnLst>
   </p:timing>
@@ -5190,7 +5261,7 @@
   <p:timing>
     <p:tnLst>
       <p:par>
-        <p:cTn id="1" dur="indefinite" restart="never" nodeType="tmRoot"/>
+        <p:cTn xmlns:p14="http://schemas.microsoft.com/office/powerpoint/2010/main" id="1" dur="indefinite" restart="never" nodeType="tmRoot"/>
       </p:par>
     </p:tnLst>
   </p:timing>
@@ -5278,11 +5349,7 @@
             <a:pPr lvl="8"/>
             <a:r>
               <a:rPr lang="en-US" sz="2400" dirty="0" smtClean="0"/>
-              <a:t>The  </a:t>
-            </a:r>
-            <a:r>
-              <a:rPr lang="en-US" sz="2400" dirty="0" smtClean="0"/>
-              <a:t>no. of colors used will defines the no. of columns required.</a:t>
+              <a:t>The  no. of colors used will defines the no. of columns required.</a:t>
             </a:r>
           </a:p>
           <a:p>
@@ -5330,7 +5397,7 @@
   <p:timing>
     <p:tnLst>
       <p:par>
-        <p:cTn id="1" dur="indefinite" restart="never" nodeType="tmRoot"/>
+        <p:cTn xmlns:p14="http://schemas.microsoft.com/office/powerpoint/2010/main" id="1" dur="indefinite" restart="never" nodeType="tmRoot"/>
       </p:par>
     </p:tnLst>
   </p:timing>
@@ -5509,7 +5576,7 @@
   <p:timing>
     <p:tnLst>
       <p:par>
-        <p:cTn id="1" dur="indefinite" restart="never" nodeType="tmRoot"/>
+        <p:cTn xmlns:p14="http://schemas.microsoft.com/office/powerpoint/2010/main" id="1" dur="indefinite" restart="never" nodeType="tmRoot"/>
       </p:par>
     </p:tnLst>
   </p:timing>
@@ -5685,7 +5752,7 @@
   <p:timing>
     <p:tnLst>
       <p:par>
-        <p:cTn id="1" dur="indefinite" restart="never" nodeType="tmRoot"/>
+        <p:cTn xmlns:p14="http://schemas.microsoft.com/office/powerpoint/2010/main" id="1" dur="indefinite" restart="never" nodeType="tmRoot"/>
       </p:par>
     </p:tnLst>
   </p:timing>
@@ -5764,15 +5831,7 @@
             </a:r>
             <a:r>
               <a:rPr lang="en-US" dirty="0" smtClean="0"/>
-              <a:t> in web &amp; enterprises, we need  efficient storage and querying mechanisms, </a:t>
-            </a:r>
-            <a:r>
-              <a:rPr lang="en-US" dirty="0" smtClean="0"/>
-              <a:t>that </a:t>
-            </a:r>
-            <a:r>
-              <a:rPr lang="en-US" dirty="0" smtClean="0"/>
-              <a:t>are important factors in RDF Data Management.</a:t>
+              <a:t> in web &amp; enterprises, we need  efficient storage and querying mechanisms, that are important factors in RDF Data Management.</a:t>
             </a:r>
           </a:p>
           <a:p>
@@ -5832,7 +5891,7 @@
   <p:timing>
     <p:tnLst>
       <p:par>
-        <p:cTn id="1" dur="indefinite" restart="never" nodeType="tmRoot"/>
+        <p:cTn xmlns:p14="http://schemas.microsoft.com/office/powerpoint/2010/main" id="1" dur="indefinite" restart="never" nodeType="tmRoot"/>
       </p:par>
     </p:tnLst>
   </p:timing>
@@ -6109,7 +6168,7 @@
   <p:timing>
     <p:tnLst>
       <p:par>
-        <p:cTn id="1" dur="indefinite" restart="never" nodeType="tmRoot"/>
+        <p:cTn xmlns:p14="http://schemas.microsoft.com/office/powerpoint/2010/main" id="1" dur="indefinite" restart="never" nodeType="tmRoot"/>
       </p:par>
     </p:tnLst>
   </p:timing>
@@ -6982,7 +7041,7 @@
   <p:timing>
     <p:tnLst>
       <p:par>
-        <p:cTn id="1" dur="indefinite" restart="never" nodeType="tmRoot"/>
+        <p:cTn xmlns:p14="http://schemas.microsoft.com/office/powerpoint/2010/main" id="1" dur="indefinite" restart="never" nodeType="tmRoot"/>
       </p:par>
     </p:tnLst>
   </p:timing>
@@ -7098,7 +7157,7 @@
   <p:timing>
     <p:tnLst>
       <p:par>
-        <p:cTn id="1" dur="indefinite" restart="never" nodeType="tmRoot"/>
+        <p:cTn xmlns:p14="http://schemas.microsoft.com/office/powerpoint/2010/main" id="1" dur="indefinite" restart="never" nodeType="tmRoot"/>
       </p:par>
     </p:tnLst>
   </p:timing>
@@ -7509,7 +7568,6 @@
               <a:rPr lang="en-US" sz="3200" dirty="0"/>
               <a:t>Data Flow Builder (4/4)</a:t>
             </a:r>
-            <a:endParaRPr lang="en-US" sz="3200" dirty="0"/>
           </a:p>
         </p:txBody>
       </p:sp>
@@ -7526,7 +7584,7 @@
   <p:timing>
     <p:tnLst>
       <p:par>
-        <p:cTn id="1" dur="indefinite" restart="never" nodeType="tmRoot"/>
+        <p:cTn xmlns:p14="http://schemas.microsoft.com/office/powerpoint/2010/main" id="1" dur="indefinite" restart="never" nodeType="tmRoot"/>
       </p:par>
     </p:tnLst>
   </p:timing>
@@ -7941,7 +7999,7 @@
   <p:timing>
     <p:tnLst>
       <p:par>
-        <p:cTn id="1" dur="indefinite" restart="never" nodeType="tmRoot"/>
+        <p:cTn xmlns:p14="http://schemas.microsoft.com/office/powerpoint/2010/main" id="1" dur="indefinite" restart="never" nodeType="tmRoot"/>
       </p:par>
     </p:tnLst>
   </p:timing>
@@ -9361,7 +9419,7 @@
   <p:timing>
     <p:tnLst>
       <p:par>
-        <p:cTn id="1" dur="indefinite" restart="never" nodeType="tmRoot"/>
+        <p:cTn xmlns:p14="http://schemas.microsoft.com/office/powerpoint/2010/main" id="1" dur="indefinite" restart="never" nodeType="tmRoot"/>
       </p:par>
     </p:tnLst>
   </p:timing>
@@ -9566,7 +9624,7 @@
   <p:timing>
     <p:tnLst>
       <p:par>
-        <p:cTn id="1" dur="indefinite" restart="never" nodeType="tmRoot"/>
+        <p:cTn xmlns:p14="http://schemas.microsoft.com/office/powerpoint/2010/main" id="1" dur="indefinite" restart="never" nodeType="tmRoot"/>
       </p:par>
     </p:tnLst>
   </p:timing>
@@ -9696,7 +9754,6 @@
               <a:rPr lang="en-US" dirty="0"/>
               <a:t>Check the conditions and add the edge to tree if satisfied.</a:t>
             </a:r>
-            <a:endParaRPr lang="en-US" dirty="0"/>
           </a:p>
         </p:txBody>
       </p:sp>
@@ -9737,7 +9794,7 @@
   <p:timing>
     <p:tnLst>
       <p:par>
-        <p:cTn id="1" dur="indefinite" restart="never" nodeType="tmRoot"/>
+        <p:cTn xmlns:p14="http://schemas.microsoft.com/office/powerpoint/2010/main" id="1" dur="indefinite" restart="never" nodeType="tmRoot"/>
       </p:par>
     </p:tnLst>
   </p:timing>
@@ -9855,7 +9912,7 @@
   <p:timing>
     <p:tnLst>
       <p:par>
-        <p:cTn id="1" dur="indefinite" restart="never" nodeType="tmRoot"/>
+        <p:cTn xmlns:p14="http://schemas.microsoft.com/office/powerpoint/2010/main" id="1" dur="indefinite" restart="never" nodeType="tmRoot"/>
       </p:par>
     </p:tnLst>
   </p:timing>
@@ -10052,7 +10109,7 @@
   <p:timing>
     <p:tnLst>
       <p:par>
-        <p:cTn id="1" dur="indefinite" restart="never" nodeType="tmRoot"/>
+        <p:cTn xmlns:p14="http://schemas.microsoft.com/office/powerpoint/2010/main" id="1" dur="indefinite" restart="never" nodeType="tmRoot"/>
       </p:par>
     </p:tnLst>
   </p:timing>
@@ -10094,11 +10151,7 @@
             <a:pPr algn="ctr"/>
             <a:r>
               <a:rPr lang="en-US" b="1" dirty="0" smtClean="0"/>
-              <a:t>Existing </a:t>
-            </a:r>
-            <a:r>
-              <a:rPr lang="en-US" b="1" dirty="0" smtClean="0"/>
-              <a:t>Approaches</a:t>
+              <a:t>Existing Approaches</a:t>
             </a:r>
             <a:endParaRPr lang="en-US" b="1" dirty="0"/>
           </a:p>
@@ -10194,7 +10247,7 @@
   <p:timing>
     <p:tnLst>
       <p:par>
-        <p:cTn id="1" dur="indefinite" restart="never" nodeType="tmRoot"/>
+        <p:cTn xmlns:p14="http://schemas.microsoft.com/office/powerpoint/2010/main" id="1" dur="indefinite" restart="never" nodeType="tmRoot"/>
       </p:par>
     </p:tnLst>
   </p:timing>
@@ -10391,7 +10444,7 @@
   <p:timing>
     <p:tnLst>
       <p:par>
-        <p:cTn id="1" dur="indefinite" restart="never" nodeType="tmRoot"/>
+        <p:cTn xmlns:p14="http://schemas.microsoft.com/office/powerpoint/2010/main" id="1" dur="indefinite" restart="never" nodeType="tmRoot"/>
       </p:par>
     </p:tnLst>
   </p:timing>
@@ -10635,7 +10688,7 @@
   <p:timing>
     <p:tnLst>
       <p:par>
-        <p:cTn id="1" dur="indefinite" restart="never" nodeType="tmRoot"/>
+        <p:cTn xmlns:p14="http://schemas.microsoft.com/office/powerpoint/2010/main" id="1" dur="indefinite" restart="never" nodeType="tmRoot"/>
       </p:par>
     </p:tnLst>
   </p:timing>
@@ -10903,7 +10956,7 @@
   <p:timing>
     <p:tnLst>
       <p:par>
-        <p:cTn id="1" dur="indefinite" restart="never" nodeType="tmRoot"/>
+        <p:cTn xmlns:p14="http://schemas.microsoft.com/office/powerpoint/2010/main" id="1" dur="indefinite" restart="never" nodeType="tmRoot"/>
       </p:par>
     </p:tnLst>
   </p:timing>
@@ -11243,7 +11296,7 @@
   <p:timing>
     <p:tnLst>
       <p:par>
-        <p:cTn id="1" dur="indefinite" restart="never" nodeType="tmRoot"/>
+        <p:cTn xmlns:p14="http://schemas.microsoft.com/office/powerpoint/2010/main" id="1" dur="indefinite" restart="never" nodeType="tmRoot"/>
       </p:par>
     </p:tnLst>
   </p:timing>
@@ -11306,7 +11359,7 @@
         </p:blipFill>
         <p:spPr>
           <a:xfrm>
-            <a:off x="5711312" y="3580229"/>
+            <a:off x="5348452" y="3761659"/>
             <a:ext cx="1778000" cy="624077"/>
           </a:xfrm>
           <a:prstGeom prst="rect">
@@ -11330,7 +11383,7 @@
         </p:blipFill>
         <p:spPr>
           <a:xfrm>
-            <a:off x="5739541" y="4181234"/>
+            <a:off x="5376681" y="4362664"/>
             <a:ext cx="647700" cy="635000"/>
           </a:xfrm>
           <a:prstGeom prst="rect">
@@ -11354,7 +11407,7 @@
         </p:blipFill>
         <p:spPr>
           <a:xfrm>
-            <a:off x="6521213" y="4195422"/>
+            <a:off x="6158353" y="4376852"/>
             <a:ext cx="647700" cy="635000"/>
           </a:xfrm>
           <a:prstGeom prst="rect">
@@ -11378,7 +11431,7 @@
         </p:blipFill>
         <p:spPr>
           <a:xfrm>
-            <a:off x="6648206" y="2586831"/>
+            <a:off x="6285346" y="2768261"/>
             <a:ext cx="1041400" cy="292100"/>
           </a:xfrm>
           <a:prstGeom prst="rect">
@@ -11402,7 +11455,7 @@
         </p:blipFill>
         <p:spPr>
           <a:xfrm>
-            <a:off x="6272469" y="2841726"/>
+            <a:off x="5909609" y="3023156"/>
             <a:ext cx="1079500" cy="736600"/>
           </a:xfrm>
           <a:prstGeom prst="rect">
@@ -11426,7 +11479,7 @@
         </p:blipFill>
         <p:spPr>
           <a:xfrm>
-            <a:off x="7167147" y="1983782"/>
+            <a:off x="6804287" y="2165212"/>
             <a:ext cx="647700" cy="622300"/>
           </a:xfrm>
           <a:prstGeom prst="rect">
@@ -11671,281 +11724,25 @@
           </a:p>
         </p:txBody>
       </p:sp>
-    </p:spTree>
-    <p:extLst>
-      <p:ext uri="{BB962C8B-B14F-4D97-AF65-F5344CB8AC3E}">
-        <p14:creationId xmlns:p14="http://schemas.microsoft.com/office/powerpoint/2010/main" val="2855281094"/>
-      </p:ext>
-    </p:extLst>
-  </p:cSld>
-  <p:clrMapOvr>
-    <a:masterClrMapping/>
-  </p:clrMapOvr>
-  <p:timing>
-    <p:tnLst>
-      <p:par>
-        <p:cTn id="1" dur="indefinite" restart="never" nodeType="tmRoot"/>
-      </p:par>
-    </p:tnLst>
-  </p:timing>
-</p:sld>
-</file>
-
-<file path=ppt/slides/slide35.xml><?xml version="1.0" encoding="utf-8"?>
-<p:sld xmlns:a="http://schemas.openxmlformats.org/drawingml/2006/main" xmlns:r="http://schemas.openxmlformats.org/officeDocument/2006/relationships" xmlns:p="http://schemas.openxmlformats.org/presentationml/2006/main">
-  <p:cSld>
-    <p:spTree>
-      <p:nvGrpSpPr>
-        <p:cNvPr id="1" name=""/>
-        <p:cNvGrpSpPr/>
-        <p:nvPr/>
-      </p:nvGrpSpPr>
-      <p:grpSpPr>
-        <a:xfrm>
-          <a:off x="0" y="0"/>
-          <a:ext cx="0" cy="0"/>
-          <a:chOff x="0" y="0"/>
-          <a:chExt cx="0" cy="0"/>
-        </a:xfrm>
-      </p:grpSpPr>
-      <p:sp>
-        <p:nvSpPr>
-          <p:cNvPr id="2" name="Title 1"/>
-          <p:cNvSpPr>
-            <a:spLocks noGrp="1"/>
-          </p:cNvSpPr>
-          <p:nvPr>
-            <p:ph type="title"/>
-          </p:nvPr>
-        </p:nvSpPr>
-        <p:spPr/>
-        <p:txBody>
-          <a:bodyPr/>
-          <a:lstStyle/>
-          <a:p>
-            <a:pPr algn="ctr"/>
-            <a:r>
-              <a:rPr lang="en-US" dirty="0" smtClean="0"/>
-              <a:t>SQL Translation</a:t>
-            </a:r>
-            <a:endParaRPr lang="en-US" dirty="0"/>
-          </a:p>
-        </p:txBody>
-      </p:sp>
-      <p:sp>
-        <p:nvSpPr>
-          <p:cNvPr id="3" name="Content Placeholder 2"/>
-          <p:cNvSpPr>
-            <a:spLocks noGrp="1"/>
-          </p:cNvSpPr>
-          <p:nvPr>
-            <p:ph idx="1"/>
-          </p:nvPr>
-        </p:nvSpPr>
-        <p:spPr>
-          <a:xfrm>
-            <a:off x="5171473" y="1956342"/>
-            <a:ext cx="5755099" cy="2151922"/>
-          </a:xfrm>
-        </p:spPr>
-        <p:txBody>
-          <a:bodyPr/>
-          <a:lstStyle/>
-          <a:p>
-            <a:r>
-              <a:rPr lang="en-US" dirty="0" smtClean="0"/>
-              <a:t>Produce node equivalent SQL using template:</a:t>
-            </a:r>
-          </a:p>
-        </p:txBody>
-      </p:sp>
-      <p:pic>
-        <p:nvPicPr>
-          <p:cNvPr id="4" name="Picture 3"/>
-          <p:cNvPicPr>
-            <a:picLocks noChangeAspect="1"/>
-          </p:cNvPicPr>
+      <p:sp>
+        <p:nvSpPr>
+          <p:cNvPr id="17" name="Content Placeholder 2"/>
+          <p:cNvSpPr txBox="1">
+            <a:spLocks/>
+          </p:cNvSpPr>
           <p:nvPr/>
-        </p:nvPicPr>
-        <p:blipFill>
-          <a:blip r:embed="rId2"/>
-          <a:stretch>
-            <a:fillRect/>
-          </a:stretch>
-        </p:blipFill>
-        <p:spPr>
-          <a:xfrm>
-            <a:off x="2050929" y="4209414"/>
-            <a:ext cx="1041400" cy="292100"/>
+        </p:nvSpPr>
+        <p:spPr>
+          <a:xfrm>
+            <a:off x="7674427" y="1905005"/>
+            <a:ext cx="4445000" cy="3519713"/>
           </a:xfrm>
           <a:prstGeom prst="rect">
             <a:avLst/>
           </a:prstGeom>
-        </p:spPr>
-      </p:pic>
-      <p:pic>
-        <p:nvPicPr>
-          <p:cNvPr id="5" name="Picture 4"/>
-          <p:cNvPicPr>
-            <a:picLocks noChangeAspect="1"/>
-          </p:cNvPicPr>
-          <p:nvPr/>
-        </p:nvPicPr>
-        <p:blipFill>
-          <a:blip r:embed="rId3"/>
-          <a:stretch>
-            <a:fillRect/>
-          </a:stretch>
-        </p:blipFill>
-        <p:spPr>
-          <a:xfrm>
-            <a:off x="1675192" y="4464309"/>
-            <a:ext cx="1079500" cy="736600"/>
-          </a:xfrm>
-          <a:prstGeom prst="rect">
-            <a:avLst/>
-          </a:prstGeom>
-        </p:spPr>
-      </p:pic>
-      <p:pic>
-        <p:nvPicPr>
-          <p:cNvPr id="6" name="Picture 5"/>
-          <p:cNvPicPr>
-            <a:picLocks noChangeAspect="1"/>
-          </p:cNvPicPr>
-          <p:nvPr/>
-        </p:nvPicPr>
-        <p:blipFill>
-          <a:blip r:embed="rId4"/>
-          <a:stretch>
-            <a:fillRect/>
-          </a:stretch>
-        </p:blipFill>
-        <p:spPr>
-          <a:xfrm>
-            <a:off x="2569870" y="3606365"/>
-            <a:ext cx="647700" cy="622300"/>
-          </a:xfrm>
-          <a:prstGeom prst="rect">
-            <a:avLst/>
-          </a:prstGeom>
-        </p:spPr>
-      </p:pic>
-      <p:pic>
-        <p:nvPicPr>
-          <p:cNvPr id="7" name="Picture 6"/>
-          <p:cNvPicPr>
-            <a:picLocks noChangeAspect="1"/>
-          </p:cNvPicPr>
-          <p:nvPr/>
-        </p:nvPicPr>
-        <p:blipFill rotWithShape="1">
-          <a:blip r:embed="rId5"/>
-          <a:srcRect l="14246"/>
-          <a:stretch/>
-        </p:blipFill>
-        <p:spPr>
-          <a:xfrm>
-            <a:off x="1895774" y="5185172"/>
-            <a:ext cx="555431" cy="635000"/>
-          </a:xfrm>
-          <a:prstGeom prst="rect">
-            <a:avLst/>
-          </a:prstGeom>
-        </p:spPr>
-      </p:pic>
-      <p:pic>
-        <p:nvPicPr>
-          <p:cNvPr id="8" name="Picture 7"/>
-          <p:cNvPicPr>
-            <a:picLocks noChangeAspect="1"/>
-          </p:cNvPicPr>
-          <p:nvPr/>
-        </p:nvPicPr>
-        <p:blipFill rotWithShape="1">
-          <a:blip r:embed="rId6"/>
-          <a:srcRect r="14089"/>
-          <a:stretch/>
-        </p:blipFill>
-        <p:spPr>
-          <a:xfrm>
-            <a:off x="1389083" y="5185460"/>
-            <a:ext cx="556448" cy="635000"/>
-          </a:xfrm>
-          <a:prstGeom prst="rect">
-            <a:avLst/>
-          </a:prstGeom>
-        </p:spPr>
-      </p:pic>
-      <p:pic>
-        <p:nvPicPr>
-          <p:cNvPr id="9" name="Picture 8"/>
-          <p:cNvPicPr>
-            <a:picLocks noChangeAspect="1"/>
-          </p:cNvPicPr>
-          <p:nvPr/>
-        </p:nvPicPr>
-        <p:blipFill rotWithShape="1">
-          <a:blip r:embed="rId7"/>
-          <a:srcRect l="36941" t="45963" r="48774" b="47385"/>
-          <a:stretch/>
-        </p:blipFill>
-        <p:spPr>
-          <a:xfrm>
-            <a:off x="1776259" y="5636565"/>
-            <a:ext cx="254000" cy="141941"/>
-          </a:xfrm>
-          <a:prstGeom prst="rect">
-            <a:avLst/>
-          </a:prstGeom>
-        </p:spPr>
-      </p:pic>
-      <p:pic>
-        <p:nvPicPr>
-          <p:cNvPr id="10" name="Picture 9" descr="Screen Shot 2014-05-05 at 5.05.12 PM.png"/>
-          <p:cNvPicPr>
-            <a:picLocks noChangeAspect="1"/>
-          </p:cNvPicPr>
-          <p:nvPr/>
-        </p:nvPicPr>
-        <p:blipFill>
-          <a:blip r:embed="rId8">
-            <a:extLst>
-              <a:ext uri="{28A0092B-C50C-407E-A947-70E740481C1C}">
-                <a14:useLocalDpi xmlns:a14="http://schemas.microsoft.com/office/drawing/2010/main" val="0"/>
-              </a:ext>
-            </a:extLst>
-          </a:blip>
-          <a:stretch>
-            <a:fillRect/>
-          </a:stretch>
-        </p:blipFill>
-        <p:spPr>
-          <a:xfrm>
-            <a:off x="5361857" y="3272723"/>
-            <a:ext cx="6500171" cy="2702933"/>
-          </a:xfrm>
-          <a:prstGeom prst="rect">
-            <a:avLst/>
-          </a:prstGeom>
-        </p:spPr>
-      </p:pic>
-      <p:sp>
-        <p:nvSpPr>
-          <p:cNvPr id="11" name="Content Placeholder 2"/>
-          <p:cNvSpPr txBox="1">
-            <a:spLocks/>
-          </p:cNvSpPr>
-          <p:nvPr/>
-        </p:nvSpPr>
-        <p:spPr>
-          <a:xfrm>
-            <a:off x="990600" y="1978025"/>
-            <a:ext cx="3849953" cy="2151922"/>
-          </a:xfrm>
-          <a:prstGeom prst="rect">
-            <a:avLst/>
-          </a:prstGeom>
+          <a:solidFill>
+            <a:schemeClr val="bg1"/>
+          </a:solidFill>
         </p:spPr>
         <p:txBody>
           <a:bodyPr vert="horz" lIns="91440" tIns="45720" rIns="91440" bIns="45720" rtlCol="0">
@@ -12116,17 +11913,169 @@
             </a:lvl9pPr>
           </a:lstStyle>
           <a:p>
-            <a:r>
-              <a:rPr lang="en-US" dirty="0" smtClean="0"/>
-              <a:t>Traverse the query plan tree:</a:t>
-            </a:r>
+            <a:pPr marL="223838" indent="1588">
+              <a:spcBef>
+                <a:spcPts val="1200"/>
+              </a:spcBef>
+              <a:buFont typeface="Arial" panose="020B0604020202020204" pitchFamily="34" charset="0"/>
+              <a:buNone/>
+            </a:pPr>
+            <a:r>
+              <a:rPr lang="en-US" sz="1800" dirty="0" smtClean="0">
+                <a:latin typeface="Courier New" pitchFamily="49" charset="0"/>
+                <a:cs typeface="Courier New" pitchFamily="49" charset="0"/>
+              </a:rPr>
+              <a:t>SELECT *</a:t>
+            </a:r>
+          </a:p>
+          <a:p>
+            <a:pPr marL="223838" indent="1588">
+              <a:buFont typeface="Arial" panose="020B0604020202020204" pitchFamily="34" charset="0"/>
+              <a:buNone/>
+            </a:pPr>
+            <a:r>
+              <a:rPr lang="en-US" sz="1800" dirty="0" smtClean="0">
+                <a:latin typeface="Courier New" pitchFamily="49" charset="0"/>
+                <a:cs typeface="Courier New" pitchFamily="49" charset="0"/>
+              </a:rPr>
+              <a:t>WHERE </a:t>
+            </a:r>
+          </a:p>
+          <a:p>
+            <a:pPr marL="223838" indent="1588">
+              <a:buFont typeface="Arial" panose="020B0604020202020204" pitchFamily="34" charset="0"/>
+              <a:buNone/>
+            </a:pPr>
+            <a:r>
+              <a:rPr lang="en-US" sz="1800" dirty="0" smtClean="0">
+                <a:latin typeface="Courier New" pitchFamily="49" charset="0"/>
+                <a:cs typeface="Courier New" pitchFamily="49" charset="0"/>
+              </a:rPr>
+              <a:t>{ </a:t>
+            </a:r>
+          </a:p>
+          <a:p>
+            <a:pPr marL="223838" indent="1588">
+              <a:buFont typeface="Arial" panose="020B0604020202020204" pitchFamily="34" charset="0"/>
+              <a:buNone/>
+              <a:tabLst>
+                <a:tab pos="465138" algn="l"/>
+                <a:tab pos="4122738" algn="l"/>
+              </a:tabLst>
+            </a:pPr>
+            <a:r>
+              <a:rPr lang="en-US" sz="1800" dirty="0" smtClean="0">
+                <a:latin typeface="Courier New" pitchFamily="49" charset="0"/>
+                <a:cs typeface="Courier New" pitchFamily="49" charset="0"/>
+              </a:rPr>
+              <a:t>	?y industry “Software”  t1</a:t>
+            </a:r>
+          </a:p>
+          <a:p>
+            <a:pPr marL="223838" indent="1588">
+              <a:buFont typeface="Arial" panose="020B0604020202020204" pitchFamily="34" charset="0"/>
+              <a:buNone/>
+              <a:tabLst>
+                <a:tab pos="465138" algn="l"/>
+              </a:tabLst>
+            </a:pPr>
+            <a:r>
+              <a:rPr lang="en-US" sz="1800" dirty="0" smtClean="0">
+                <a:latin typeface="Courier New" pitchFamily="49" charset="0"/>
+                <a:cs typeface="Courier New" pitchFamily="49" charset="0"/>
+              </a:rPr>
+              <a:t>	{ </a:t>
+            </a:r>
+          </a:p>
+          <a:p>
+            <a:pPr marL="223838" indent="1588">
+              <a:buFont typeface="Arial" panose="020B0604020202020204" pitchFamily="34" charset="0"/>
+              <a:buNone/>
+              <a:tabLst>
+                <a:tab pos="569913" algn="l"/>
+                <a:tab pos="4122738" algn="l"/>
+              </a:tabLst>
+            </a:pPr>
+            <a:r>
+              <a:rPr lang="en-US" sz="1800" dirty="0" smtClean="0">
+                <a:latin typeface="Courier New" pitchFamily="49" charset="0"/>
+                <a:cs typeface="Courier New" pitchFamily="49" charset="0"/>
+              </a:rPr>
+              <a:t>	?x founder ?y UNION    t2</a:t>
+            </a:r>
+          </a:p>
+          <a:p>
+            <a:pPr marL="223838" indent="1588">
+              <a:buFont typeface="Arial" panose="020B0604020202020204" pitchFamily="34" charset="0"/>
+              <a:buNone/>
+              <a:tabLst>
+                <a:tab pos="569913" algn="l"/>
+                <a:tab pos="4122738" algn="l"/>
+              </a:tabLst>
+            </a:pPr>
+            <a:r>
+              <a:rPr lang="en-US" sz="1800" dirty="0" smtClean="0">
+                <a:latin typeface="Courier New" pitchFamily="49" charset="0"/>
+                <a:cs typeface="Courier New" pitchFamily="49" charset="0"/>
+              </a:rPr>
+              <a:t>	?x member ?y           t3</a:t>
+            </a:r>
+          </a:p>
+          <a:p>
+            <a:pPr marL="223838" indent="1588">
+              <a:buFont typeface="Arial" panose="020B0604020202020204" pitchFamily="34" charset="0"/>
+              <a:buNone/>
+              <a:tabLst>
+                <a:tab pos="465138" algn="l"/>
+              </a:tabLst>
+            </a:pPr>
+            <a:r>
+              <a:rPr lang="en-US" sz="1800" dirty="0" smtClean="0">
+                <a:latin typeface="Courier New" pitchFamily="49" charset="0"/>
+                <a:cs typeface="Courier New" pitchFamily="49" charset="0"/>
+              </a:rPr>
+              <a:t>	}</a:t>
+            </a:r>
+          </a:p>
+          <a:p>
+            <a:pPr marL="223838" indent="1588">
+              <a:buFont typeface="Arial" panose="020B0604020202020204" pitchFamily="34" charset="0"/>
+              <a:buNone/>
+            </a:pPr>
+            <a:r>
+              <a:rPr lang="en-US" sz="1800" dirty="0" smtClean="0">
+                <a:latin typeface="Courier New" pitchFamily="49" charset="0"/>
+                <a:cs typeface="Courier New" pitchFamily="49" charset="0"/>
+              </a:rPr>
+              <a:t>}</a:t>
+            </a:r>
+            <a:endParaRPr lang="en-US" dirty="0" smtClean="0">
+              <a:latin typeface="Courier New" pitchFamily="49" charset="0"/>
+              <a:cs typeface="Courier New" pitchFamily="49" charset="0"/>
+            </a:endParaRPr>
+          </a:p>
+          <a:p>
+            <a:endParaRPr lang="en-US" dirty="0" smtClean="0"/>
+          </a:p>
+          <a:p>
+            <a:pPr marL="912813">
+              <a:spcBef>
+                <a:spcPts val="1200"/>
+              </a:spcBef>
+              <a:buFont typeface="Arial" panose="020B0604020202020204" pitchFamily="34" charset="0"/>
+              <a:buNone/>
+            </a:pPr>
+            <a:endParaRPr lang="en-US" sz="1600" dirty="0" smtClean="0"/>
+          </a:p>
+          <a:p>
+            <a:endParaRPr lang="en-US" dirty="0"/>
           </a:p>
         </p:txBody>
       </p:sp>
     </p:spTree>
     <p:extLst>
       <p:ext uri="{BB962C8B-B14F-4D97-AF65-F5344CB8AC3E}">
-        <p14:creationId xmlns:p14="http://schemas.microsoft.com/office/powerpoint/2010/main" val="3742925389"/>
+        <p14:creationId xmlns:p14="http://schemas.microsoft.com/office/powerpoint/2010/main" val="2855281094"/>
       </p:ext>
     </p:extLst>
   </p:cSld>
@@ -12136,7 +12085,448 @@
   <p:timing>
     <p:tnLst>
       <p:par>
-        <p:cTn id="1" dur="indefinite" restart="never" nodeType="tmRoot"/>
+        <p:cTn xmlns:p14="http://schemas.microsoft.com/office/powerpoint/2010/main" id="1" dur="indefinite" restart="never" nodeType="tmRoot"/>
+      </p:par>
+    </p:tnLst>
+  </p:timing>
+</p:sld>
+</file>
+
+<file path=ppt/slides/slide35.xml><?xml version="1.0" encoding="utf-8"?>
+<p:sld xmlns:a="http://schemas.openxmlformats.org/drawingml/2006/main" xmlns:r="http://schemas.openxmlformats.org/officeDocument/2006/relationships" xmlns:p="http://schemas.openxmlformats.org/presentationml/2006/main">
+  <p:cSld>
+    <p:spTree>
+      <p:nvGrpSpPr>
+        <p:cNvPr id="1" name=""/>
+        <p:cNvGrpSpPr/>
+        <p:nvPr/>
+      </p:nvGrpSpPr>
+      <p:grpSpPr>
+        <a:xfrm>
+          <a:off x="0" y="0"/>
+          <a:ext cx="0" cy="0"/>
+          <a:chOff x="0" y="0"/>
+          <a:chExt cx="0" cy="0"/>
+        </a:xfrm>
+      </p:grpSpPr>
+      <p:sp>
+        <p:nvSpPr>
+          <p:cNvPr id="2" name="Title 1"/>
+          <p:cNvSpPr>
+            <a:spLocks noGrp="1"/>
+          </p:cNvSpPr>
+          <p:nvPr>
+            <p:ph type="title"/>
+          </p:nvPr>
+        </p:nvSpPr>
+        <p:spPr/>
+        <p:txBody>
+          <a:bodyPr/>
+          <a:lstStyle/>
+          <a:p>
+            <a:pPr algn="ctr"/>
+            <a:r>
+              <a:rPr lang="en-US" dirty="0" smtClean="0"/>
+              <a:t>Query Plan Builder: Query Plan Tree</a:t>
+            </a:r>
+            <a:endParaRPr lang="en-US" dirty="0"/>
+          </a:p>
+        </p:txBody>
+      </p:sp>
+      <p:pic>
+        <p:nvPicPr>
+          <p:cNvPr id="13" name="Picture 12"/>
+          <p:cNvPicPr>
+            <a:picLocks noChangeAspect="1"/>
+          </p:cNvPicPr>
+          <p:nvPr/>
+        </p:nvPicPr>
+        <p:blipFill rotWithShape="1">
+          <a:blip r:embed="rId3"/>
+          <a:srcRect t="40481" b="30269"/>
+          <a:stretch/>
+        </p:blipFill>
+        <p:spPr>
+          <a:xfrm>
+            <a:off x="5348452" y="3761659"/>
+            <a:ext cx="1778000" cy="624077"/>
+          </a:xfrm>
+          <a:prstGeom prst="rect">
+            <a:avLst/>
+          </a:prstGeom>
+        </p:spPr>
+      </p:pic>
+      <p:pic>
+        <p:nvPicPr>
+          <p:cNvPr id="4" name="Picture 3"/>
+          <p:cNvPicPr>
+            <a:picLocks noChangeAspect="1"/>
+          </p:cNvPicPr>
+          <p:nvPr/>
+        </p:nvPicPr>
+        <p:blipFill>
+          <a:blip r:embed="rId4"/>
+          <a:stretch>
+            <a:fillRect/>
+          </a:stretch>
+        </p:blipFill>
+        <p:spPr>
+          <a:xfrm>
+            <a:off x="5376681" y="4362664"/>
+            <a:ext cx="647700" cy="635000"/>
+          </a:xfrm>
+          <a:prstGeom prst="rect">
+            <a:avLst/>
+          </a:prstGeom>
+        </p:spPr>
+      </p:pic>
+      <p:pic>
+        <p:nvPicPr>
+          <p:cNvPr id="3" name="Picture 2"/>
+          <p:cNvPicPr>
+            <a:picLocks noChangeAspect="1"/>
+          </p:cNvPicPr>
+          <p:nvPr/>
+        </p:nvPicPr>
+        <p:blipFill>
+          <a:blip r:embed="rId5"/>
+          <a:stretch>
+            <a:fillRect/>
+          </a:stretch>
+        </p:blipFill>
+        <p:spPr>
+          <a:xfrm>
+            <a:off x="6158353" y="4376852"/>
+            <a:ext cx="647700" cy="635000"/>
+          </a:xfrm>
+          <a:prstGeom prst="rect">
+            <a:avLst/>
+          </a:prstGeom>
+        </p:spPr>
+      </p:pic>
+      <p:pic>
+        <p:nvPicPr>
+          <p:cNvPr id="9" name="Picture 8"/>
+          <p:cNvPicPr>
+            <a:picLocks noChangeAspect="1"/>
+          </p:cNvPicPr>
+          <p:nvPr/>
+        </p:nvPicPr>
+        <p:blipFill>
+          <a:blip r:embed="rId6"/>
+          <a:stretch>
+            <a:fillRect/>
+          </a:stretch>
+        </p:blipFill>
+        <p:spPr>
+          <a:xfrm>
+            <a:off x="6285346" y="2768261"/>
+            <a:ext cx="1041400" cy="292100"/>
+          </a:xfrm>
+          <a:prstGeom prst="rect">
+            <a:avLst/>
+          </a:prstGeom>
+        </p:spPr>
+      </p:pic>
+      <p:pic>
+        <p:nvPicPr>
+          <p:cNvPr id="8" name="Picture 7"/>
+          <p:cNvPicPr>
+            <a:picLocks noChangeAspect="1"/>
+          </p:cNvPicPr>
+          <p:nvPr/>
+        </p:nvPicPr>
+        <p:blipFill>
+          <a:blip r:embed="rId7"/>
+          <a:stretch>
+            <a:fillRect/>
+          </a:stretch>
+        </p:blipFill>
+        <p:spPr>
+          <a:xfrm>
+            <a:off x="5909609" y="3023156"/>
+            <a:ext cx="1079500" cy="736600"/>
+          </a:xfrm>
+          <a:prstGeom prst="rect">
+            <a:avLst/>
+          </a:prstGeom>
+        </p:spPr>
+      </p:pic>
+      <p:pic>
+        <p:nvPicPr>
+          <p:cNvPr id="16" name="Picture 15"/>
+          <p:cNvPicPr>
+            <a:picLocks noChangeAspect="1"/>
+          </p:cNvPicPr>
+          <p:nvPr/>
+        </p:nvPicPr>
+        <p:blipFill>
+          <a:blip r:embed="rId8"/>
+          <a:stretch>
+            <a:fillRect/>
+          </a:stretch>
+        </p:blipFill>
+        <p:spPr>
+          <a:xfrm>
+            <a:off x="6804287" y="2165212"/>
+            <a:ext cx="647700" cy="622300"/>
+          </a:xfrm>
+          <a:prstGeom prst="rect">
+            <a:avLst/>
+          </a:prstGeom>
+        </p:spPr>
+      </p:pic>
+      <p:pic>
+        <p:nvPicPr>
+          <p:cNvPr id="18" name="Picture 17"/>
+          <p:cNvPicPr>
+            <a:picLocks noChangeAspect="1"/>
+          </p:cNvPicPr>
+          <p:nvPr/>
+        </p:nvPicPr>
+        <p:blipFill>
+          <a:blip r:embed="rId6"/>
+          <a:stretch>
+            <a:fillRect/>
+          </a:stretch>
+        </p:blipFill>
+        <p:spPr>
+          <a:xfrm>
+            <a:off x="9362445" y="2826821"/>
+            <a:ext cx="1041400" cy="292100"/>
+          </a:xfrm>
+          <a:prstGeom prst="rect">
+            <a:avLst/>
+          </a:prstGeom>
+        </p:spPr>
+      </p:pic>
+      <p:pic>
+        <p:nvPicPr>
+          <p:cNvPr id="19" name="Picture 18"/>
+          <p:cNvPicPr>
+            <a:picLocks noChangeAspect="1"/>
+          </p:cNvPicPr>
+          <p:nvPr/>
+        </p:nvPicPr>
+        <p:blipFill>
+          <a:blip r:embed="rId7"/>
+          <a:stretch>
+            <a:fillRect/>
+          </a:stretch>
+        </p:blipFill>
+        <p:spPr>
+          <a:xfrm>
+            <a:off x="8986708" y="3081716"/>
+            <a:ext cx="1079500" cy="736600"/>
+          </a:xfrm>
+          <a:prstGeom prst="rect">
+            <a:avLst/>
+          </a:prstGeom>
+        </p:spPr>
+      </p:pic>
+      <p:pic>
+        <p:nvPicPr>
+          <p:cNvPr id="20" name="Picture 19"/>
+          <p:cNvPicPr>
+            <a:picLocks noChangeAspect="1"/>
+          </p:cNvPicPr>
+          <p:nvPr/>
+        </p:nvPicPr>
+        <p:blipFill>
+          <a:blip r:embed="rId8"/>
+          <a:stretch>
+            <a:fillRect/>
+          </a:stretch>
+        </p:blipFill>
+        <p:spPr>
+          <a:xfrm>
+            <a:off x="9881386" y="2223772"/>
+            <a:ext cx="647700" cy="622300"/>
+          </a:xfrm>
+          <a:prstGeom prst="rect">
+            <a:avLst/>
+          </a:prstGeom>
+        </p:spPr>
+      </p:pic>
+      <p:pic>
+        <p:nvPicPr>
+          <p:cNvPr id="21" name="Picture 20"/>
+          <p:cNvPicPr>
+            <a:picLocks noChangeAspect="1"/>
+          </p:cNvPicPr>
+          <p:nvPr/>
+        </p:nvPicPr>
+        <p:blipFill rotWithShape="1">
+          <a:blip r:embed="rId5"/>
+          <a:srcRect l="14246"/>
+          <a:stretch/>
+        </p:blipFill>
+        <p:spPr>
+          <a:xfrm>
+            <a:off x="9207290" y="3802579"/>
+            <a:ext cx="555431" cy="635000"/>
+          </a:xfrm>
+          <a:prstGeom prst="rect">
+            <a:avLst/>
+          </a:prstGeom>
+        </p:spPr>
+      </p:pic>
+      <p:pic>
+        <p:nvPicPr>
+          <p:cNvPr id="22" name="Picture 21"/>
+          <p:cNvPicPr>
+            <a:picLocks noChangeAspect="1"/>
+          </p:cNvPicPr>
+          <p:nvPr/>
+        </p:nvPicPr>
+        <p:blipFill rotWithShape="1">
+          <a:blip r:embed="rId4"/>
+          <a:srcRect r="14089"/>
+          <a:stretch/>
+        </p:blipFill>
+        <p:spPr>
+          <a:xfrm>
+            <a:off x="8700599" y="3802867"/>
+            <a:ext cx="556448" cy="635000"/>
+          </a:xfrm>
+          <a:prstGeom prst="rect">
+            <a:avLst/>
+          </a:prstGeom>
+        </p:spPr>
+      </p:pic>
+      <p:pic>
+        <p:nvPicPr>
+          <p:cNvPr id="23" name="Picture 22"/>
+          <p:cNvPicPr>
+            <a:picLocks noChangeAspect="1"/>
+          </p:cNvPicPr>
+          <p:nvPr/>
+        </p:nvPicPr>
+        <p:blipFill rotWithShape="1">
+          <a:blip r:embed="rId3"/>
+          <a:srcRect l="36941" t="45963" r="48774" b="47385"/>
+          <a:stretch/>
+        </p:blipFill>
+        <p:spPr>
+          <a:xfrm>
+            <a:off x="9087775" y="4253972"/>
+            <a:ext cx="254000" cy="141941"/>
+          </a:xfrm>
+          <a:prstGeom prst="rect">
+            <a:avLst/>
+          </a:prstGeom>
+        </p:spPr>
+      </p:pic>
+      <p:sp>
+        <p:nvSpPr>
+          <p:cNvPr id="25" name="Content Placeholder 2"/>
+          <p:cNvSpPr>
+            <a:spLocks noGrp="1"/>
+          </p:cNvSpPr>
+          <p:nvPr>
+            <p:ph idx="1"/>
+          </p:nvPr>
+        </p:nvSpPr>
+        <p:spPr>
+          <a:xfrm>
+            <a:off x="838200" y="1825625"/>
+            <a:ext cx="4789087" cy="3670629"/>
+          </a:xfrm>
+        </p:spPr>
+        <p:txBody>
+          <a:bodyPr/>
+          <a:lstStyle/>
+          <a:p>
+            <a:r>
+              <a:rPr lang="en-US" dirty="0" smtClean="0"/>
+              <a:t>Structural merge constraints:</a:t>
+            </a:r>
+          </a:p>
+          <a:p>
+            <a:pPr lvl="1"/>
+            <a:r>
+              <a:rPr lang="en-US" dirty="0" smtClean="0"/>
+              <a:t>Same entity</a:t>
+            </a:r>
+          </a:p>
+          <a:p>
+            <a:pPr lvl="1"/>
+            <a:r>
+              <a:rPr lang="en-US" dirty="0" smtClean="0"/>
+              <a:t>Same access method</a:t>
+            </a:r>
+          </a:p>
+          <a:p>
+            <a:r>
+              <a:rPr lang="en-US" dirty="0" smtClean="0"/>
+              <a:t>Semantic </a:t>
+            </a:r>
+            <a:r>
+              <a:rPr lang="en-US" dirty="0"/>
+              <a:t>merge </a:t>
+            </a:r>
+            <a:r>
+              <a:rPr lang="en-US" dirty="0" smtClean="0"/>
+              <a:t>constraints:</a:t>
+            </a:r>
+            <a:endParaRPr lang="en-US" dirty="0"/>
+          </a:p>
+          <a:p>
+            <a:pPr lvl="1"/>
+            <a:r>
+              <a:rPr lang="en-US" dirty="0" smtClean="0"/>
+              <a:t>AND-</a:t>
+            </a:r>
+            <a:r>
+              <a:rPr lang="en-US" dirty="0" err="1" smtClean="0"/>
+              <a:t>Mergeable</a:t>
+            </a:r>
+            <a:endParaRPr lang="en-US" dirty="0" smtClean="0"/>
+          </a:p>
+          <a:p>
+            <a:pPr lvl="1"/>
+            <a:r>
+              <a:rPr lang="en-US" dirty="0" smtClean="0"/>
+              <a:t>OR-</a:t>
+            </a:r>
+            <a:r>
+              <a:rPr lang="en-US" dirty="0" err="1" smtClean="0"/>
+              <a:t>Mergeable</a:t>
+            </a:r>
+            <a:endParaRPr lang="en-US" dirty="0" smtClean="0"/>
+          </a:p>
+          <a:p>
+            <a:pPr lvl="1"/>
+            <a:r>
+              <a:rPr lang="en-US" dirty="0" smtClean="0"/>
+              <a:t>OPT-</a:t>
+            </a:r>
+            <a:r>
+              <a:rPr lang="en-US" dirty="0" err="1"/>
+              <a:t>Mergeable</a:t>
+            </a:r>
+            <a:endParaRPr lang="en-US" dirty="0" smtClean="0"/>
+          </a:p>
+          <a:p>
+            <a:pPr lvl="1"/>
+            <a:endParaRPr lang="en-US" dirty="0" smtClean="0"/>
+          </a:p>
+        </p:txBody>
+      </p:sp>
+    </p:spTree>
+    <p:extLst>
+      <p:ext uri="{BB962C8B-B14F-4D97-AF65-F5344CB8AC3E}">
+        <p14:creationId xmlns:p14="http://schemas.microsoft.com/office/powerpoint/2010/main" val="2771666992"/>
+      </p:ext>
+    </p:extLst>
+  </p:cSld>
+  <p:clrMapOvr>
+    <a:masterClrMapping/>
+  </p:clrMapOvr>
+  <p:timing>
+    <p:tnLst>
+      <p:par>
+        <p:cTn xmlns:p14="http://schemas.microsoft.com/office/powerpoint/2010/main" id="1" dur="indefinite" restart="never" nodeType="tmRoot"/>
       </p:par>
     </p:tnLst>
   </p:timing>
@@ -12162,7 +12552,7 @@
       </p:grpSpPr>
       <p:sp>
         <p:nvSpPr>
-          <p:cNvPr id="4" name="Title 1"/>
+          <p:cNvPr id="2" name="Title 1"/>
           <p:cNvSpPr>
             <a:spLocks noGrp="1"/>
           </p:cNvSpPr>
@@ -12184,9 +12574,36 @@
           </a:p>
         </p:txBody>
       </p:sp>
+      <p:sp>
+        <p:nvSpPr>
+          <p:cNvPr id="3" name="Content Placeholder 2"/>
+          <p:cNvSpPr>
+            <a:spLocks noGrp="1"/>
+          </p:cNvSpPr>
+          <p:nvPr>
+            <p:ph idx="1"/>
+          </p:nvPr>
+        </p:nvSpPr>
+        <p:spPr>
+          <a:xfrm>
+            <a:off x="5171473" y="1956342"/>
+            <a:ext cx="5755099" cy="2151922"/>
+          </a:xfrm>
+        </p:spPr>
+        <p:txBody>
+          <a:bodyPr/>
+          <a:lstStyle/>
+          <a:p>
+            <a:r>
+              <a:rPr lang="en-US" dirty="0" smtClean="0"/>
+              <a:t>Produce node equivalent SQL using template:</a:t>
+            </a:r>
+          </a:p>
+        </p:txBody>
+      </p:sp>
       <p:pic>
         <p:nvPicPr>
-          <p:cNvPr id="7" name="Picture 6"/>
+          <p:cNvPr id="4" name="Picture 3"/>
           <p:cNvPicPr>
             <a:picLocks noChangeAspect="1"/>
           </p:cNvPicPr>
@@ -12200,17 +12617,164 @@
         </p:blipFill>
         <p:spPr>
           <a:xfrm>
-            <a:off x="1169026" y="2467255"/>
-            <a:ext cx="647700" cy="622300"/>
+            <a:off x="2050929" y="4209414"/>
+            <a:ext cx="1041400" cy="292100"/>
           </a:xfrm>
           <a:prstGeom prst="rect">
             <a:avLst/>
           </a:prstGeom>
         </p:spPr>
       </p:pic>
-      <p:sp>
-        <p:nvSpPr>
-          <p:cNvPr id="13" name="Content Placeholder 2"/>
+      <p:pic>
+        <p:nvPicPr>
+          <p:cNvPr id="5" name="Picture 4"/>
+          <p:cNvPicPr>
+            <a:picLocks noChangeAspect="1"/>
+          </p:cNvPicPr>
+          <p:nvPr/>
+        </p:nvPicPr>
+        <p:blipFill>
+          <a:blip r:embed="rId3"/>
+          <a:stretch>
+            <a:fillRect/>
+          </a:stretch>
+        </p:blipFill>
+        <p:spPr>
+          <a:xfrm>
+            <a:off x="1675192" y="4464309"/>
+            <a:ext cx="1079500" cy="736600"/>
+          </a:xfrm>
+          <a:prstGeom prst="rect">
+            <a:avLst/>
+          </a:prstGeom>
+        </p:spPr>
+      </p:pic>
+      <p:pic>
+        <p:nvPicPr>
+          <p:cNvPr id="6" name="Picture 5"/>
+          <p:cNvPicPr>
+            <a:picLocks noChangeAspect="1"/>
+          </p:cNvPicPr>
+          <p:nvPr/>
+        </p:nvPicPr>
+        <p:blipFill>
+          <a:blip r:embed="rId4"/>
+          <a:stretch>
+            <a:fillRect/>
+          </a:stretch>
+        </p:blipFill>
+        <p:spPr>
+          <a:xfrm>
+            <a:off x="2569870" y="3606365"/>
+            <a:ext cx="647700" cy="622300"/>
+          </a:xfrm>
+          <a:prstGeom prst="rect">
+            <a:avLst/>
+          </a:prstGeom>
+        </p:spPr>
+      </p:pic>
+      <p:pic>
+        <p:nvPicPr>
+          <p:cNvPr id="7" name="Picture 6"/>
+          <p:cNvPicPr>
+            <a:picLocks noChangeAspect="1"/>
+          </p:cNvPicPr>
+          <p:nvPr/>
+        </p:nvPicPr>
+        <p:blipFill rotWithShape="1">
+          <a:blip r:embed="rId5"/>
+          <a:srcRect l="14246"/>
+          <a:stretch/>
+        </p:blipFill>
+        <p:spPr>
+          <a:xfrm>
+            <a:off x="1895774" y="5185172"/>
+            <a:ext cx="555431" cy="635000"/>
+          </a:xfrm>
+          <a:prstGeom prst="rect">
+            <a:avLst/>
+          </a:prstGeom>
+        </p:spPr>
+      </p:pic>
+      <p:pic>
+        <p:nvPicPr>
+          <p:cNvPr id="8" name="Picture 7"/>
+          <p:cNvPicPr>
+            <a:picLocks noChangeAspect="1"/>
+          </p:cNvPicPr>
+          <p:nvPr/>
+        </p:nvPicPr>
+        <p:blipFill rotWithShape="1">
+          <a:blip r:embed="rId6"/>
+          <a:srcRect r="14089"/>
+          <a:stretch/>
+        </p:blipFill>
+        <p:spPr>
+          <a:xfrm>
+            <a:off x="1389083" y="5185460"/>
+            <a:ext cx="556448" cy="635000"/>
+          </a:xfrm>
+          <a:prstGeom prst="rect">
+            <a:avLst/>
+          </a:prstGeom>
+        </p:spPr>
+      </p:pic>
+      <p:pic>
+        <p:nvPicPr>
+          <p:cNvPr id="9" name="Picture 8"/>
+          <p:cNvPicPr>
+            <a:picLocks noChangeAspect="1"/>
+          </p:cNvPicPr>
+          <p:nvPr/>
+        </p:nvPicPr>
+        <p:blipFill rotWithShape="1">
+          <a:blip r:embed="rId7"/>
+          <a:srcRect l="36941" t="45963" r="48774" b="47385"/>
+          <a:stretch/>
+        </p:blipFill>
+        <p:spPr>
+          <a:xfrm>
+            <a:off x="1776259" y="5636565"/>
+            <a:ext cx="254000" cy="141941"/>
+          </a:xfrm>
+          <a:prstGeom prst="rect">
+            <a:avLst/>
+          </a:prstGeom>
+        </p:spPr>
+      </p:pic>
+      <p:pic>
+        <p:nvPicPr>
+          <p:cNvPr id="10" name="Picture 9" descr="Screen Shot 2014-05-05 at 5.05.12 PM.png"/>
+          <p:cNvPicPr>
+            <a:picLocks noChangeAspect="1"/>
+          </p:cNvPicPr>
+          <p:nvPr/>
+        </p:nvPicPr>
+        <p:blipFill>
+          <a:blip r:embed="rId8">
+            <a:extLst>
+              <a:ext uri="{28A0092B-C50C-407E-A947-70E740481C1C}">
+                <a14:useLocalDpi xmlns:a14="http://schemas.microsoft.com/office/drawing/2010/main" val="0"/>
+              </a:ext>
+            </a:extLst>
+          </a:blip>
+          <a:stretch>
+            <a:fillRect/>
+          </a:stretch>
+        </p:blipFill>
+        <p:spPr>
+          <a:xfrm>
+            <a:off x="5361857" y="3272723"/>
+            <a:ext cx="6500171" cy="2702933"/>
+          </a:xfrm>
+          <a:prstGeom prst="rect">
+            <a:avLst/>
+          </a:prstGeom>
+        </p:spPr>
+      </p:pic>
+      <p:sp>
+        <p:nvSpPr>
+          <p:cNvPr id="11" name="Content Placeholder 2"/>
           <p:cNvSpPr txBox="1">
             <a:spLocks/>
           </p:cNvSpPr>
@@ -12218,8 +12782,8 @@
         </p:nvSpPr>
         <p:spPr>
           <a:xfrm>
-            <a:off x="2633584" y="2332828"/>
-            <a:ext cx="9320272" cy="3362719"/>
+            <a:off x="990600" y="1978025"/>
+            <a:ext cx="3849953" cy="2151922"/>
           </a:xfrm>
           <a:prstGeom prst="rect">
             <a:avLst/>
@@ -12394,6 +12958,878 @@
             </a:lvl9pPr>
           </a:lstStyle>
           <a:p>
+            <a:r>
+              <a:rPr lang="en-US" dirty="0" smtClean="0"/>
+              <a:t>Traverse the query plan tree:</a:t>
+            </a:r>
+          </a:p>
+        </p:txBody>
+      </p:sp>
+    </p:spTree>
+    <p:extLst>
+      <p:ext uri="{BB962C8B-B14F-4D97-AF65-F5344CB8AC3E}">
+        <p14:creationId xmlns:p14="http://schemas.microsoft.com/office/powerpoint/2010/main" val="3742925389"/>
+      </p:ext>
+    </p:extLst>
+  </p:cSld>
+  <p:clrMapOvr>
+    <a:masterClrMapping/>
+  </p:clrMapOvr>
+  <p:timing>
+    <p:tnLst>
+      <p:par>
+        <p:cTn xmlns:p14="http://schemas.microsoft.com/office/powerpoint/2010/main" id="1" dur="indefinite" restart="never" nodeType="tmRoot"/>
+      </p:par>
+    </p:tnLst>
+  </p:timing>
+</p:sld>
+</file>
+
+<file path=ppt/slides/slide37.xml><?xml version="1.0" encoding="utf-8"?>
+<p:sld xmlns:a="http://schemas.openxmlformats.org/drawingml/2006/main" xmlns:r="http://schemas.openxmlformats.org/officeDocument/2006/relationships" xmlns:p="http://schemas.openxmlformats.org/presentationml/2006/main">
+  <p:cSld>
+    <p:spTree>
+      <p:nvGrpSpPr>
+        <p:cNvPr id="1" name=""/>
+        <p:cNvGrpSpPr/>
+        <p:nvPr/>
+      </p:nvGrpSpPr>
+      <p:grpSpPr>
+        <a:xfrm>
+          <a:off x="0" y="0"/>
+          <a:ext cx="0" cy="0"/>
+          <a:chOff x="0" y="0"/>
+          <a:chExt cx="0" cy="0"/>
+        </a:xfrm>
+      </p:grpSpPr>
+      <p:sp>
+        <p:nvSpPr>
+          <p:cNvPr id="2" name="Title 1"/>
+          <p:cNvSpPr>
+            <a:spLocks noGrp="1"/>
+          </p:cNvSpPr>
+          <p:nvPr>
+            <p:ph type="title"/>
+          </p:nvPr>
+        </p:nvSpPr>
+        <p:spPr/>
+        <p:txBody>
+          <a:bodyPr/>
+          <a:lstStyle/>
+          <a:p>
+            <a:pPr algn="ctr"/>
+            <a:r>
+              <a:rPr lang="en-US" dirty="0" smtClean="0"/>
+              <a:t>SQL Translation</a:t>
+            </a:r>
+            <a:endParaRPr lang="en-US" dirty="0"/>
+          </a:p>
+        </p:txBody>
+      </p:sp>
+      <p:pic>
+        <p:nvPicPr>
+          <p:cNvPr id="12" name="Content Placeholder 3"/>
+          <p:cNvPicPr>
+            <a:picLocks noChangeAspect="1"/>
+          </p:cNvPicPr>
+          <p:nvPr/>
+        </p:nvPicPr>
+        <p:blipFill>
+          <a:blip r:embed="rId2" cstate="print"/>
+          <a:stretch>
+            <a:fillRect/>
+          </a:stretch>
+        </p:blipFill>
+        <p:spPr>
+          <a:xfrm>
+            <a:off x="611321" y="4079873"/>
+            <a:ext cx="8895531" cy="2524125"/>
+          </a:xfrm>
+          <a:prstGeom prst="rect">
+            <a:avLst/>
+          </a:prstGeom>
+        </p:spPr>
+      </p:pic>
+      <p:pic>
+        <p:nvPicPr>
+          <p:cNvPr id="13" name="Picture 12"/>
+          <p:cNvPicPr>
+            <a:picLocks noChangeAspect="1"/>
+          </p:cNvPicPr>
+          <p:nvPr/>
+        </p:nvPicPr>
+        <p:blipFill>
+          <a:blip r:embed="rId3" cstate="print"/>
+          <a:stretch>
+            <a:fillRect/>
+          </a:stretch>
+        </p:blipFill>
+        <p:spPr>
+          <a:xfrm>
+            <a:off x="9516553" y="3993127"/>
+            <a:ext cx="1982886" cy="2320583"/>
+          </a:xfrm>
+          <a:prstGeom prst="rect">
+            <a:avLst/>
+          </a:prstGeom>
+        </p:spPr>
+      </p:pic>
+      <p:sp>
+        <p:nvSpPr>
+          <p:cNvPr id="15" name="Content Placeholder 2"/>
+          <p:cNvSpPr txBox="1">
+            <a:spLocks/>
+          </p:cNvSpPr>
+          <p:nvPr/>
+        </p:nvSpPr>
+        <p:spPr>
+          <a:xfrm>
+            <a:off x="326570" y="1487715"/>
+            <a:ext cx="10504716" cy="2703286"/>
+          </a:xfrm>
+          <a:prstGeom prst="rect">
+            <a:avLst/>
+          </a:prstGeom>
+          <a:noFill/>
+        </p:spPr>
+        <p:txBody>
+          <a:bodyPr vert="horz" lIns="91440" tIns="45720" rIns="91440" bIns="45720" rtlCol="0">
+            <a:normAutofit/>
+          </a:bodyPr>
+          <a:lstStyle>
+            <a:lvl1pPr marL="228600" indent="-228600" algn="l" defTabSz="914400" rtl="0" eaLnBrk="1" latinLnBrk="0" hangingPunct="1">
+              <a:lnSpc>
+                <a:spcPct val="90000"/>
+              </a:lnSpc>
+              <a:spcBef>
+                <a:spcPts val="1000"/>
+              </a:spcBef>
+              <a:buFont typeface="Arial" panose="020B0604020202020204" pitchFamily="34" charset="0"/>
+              <a:buChar char="•"/>
+              <a:defRPr sz="2800" kern="1200">
+                <a:solidFill>
+                  <a:schemeClr val="tx1"/>
+                </a:solidFill>
+                <a:latin typeface="+mn-lt"/>
+                <a:ea typeface="+mn-ea"/>
+                <a:cs typeface="+mn-cs"/>
+              </a:defRPr>
+            </a:lvl1pPr>
+            <a:lvl2pPr marL="685800" indent="-228600" algn="l" defTabSz="914400" rtl="0" eaLnBrk="1" latinLnBrk="0" hangingPunct="1">
+              <a:lnSpc>
+                <a:spcPct val="90000"/>
+              </a:lnSpc>
+              <a:spcBef>
+                <a:spcPts val="500"/>
+              </a:spcBef>
+              <a:buFont typeface="Arial" panose="020B0604020202020204" pitchFamily="34" charset="0"/>
+              <a:buChar char="•"/>
+              <a:defRPr sz="2400" kern="1200">
+                <a:solidFill>
+                  <a:schemeClr val="tx1"/>
+                </a:solidFill>
+                <a:latin typeface="+mn-lt"/>
+                <a:ea typeface="+mn-ea"/>
+                <a:cs typeface="+mn-cs"/>
+              </a:defRPr>
+            </a:lvl2pPr>
+            <a:lvl3pPr marL="1143000" indent="-228600" algn="l" defTabSz="914400" rtl="0" eaLnBrk="1" latinLnBrk="0" hangingPunct="1">
+              <a:lnSpc>
+                <a:spcPct val="90000"/>
+              </a:lnSpc>
+              <a:spcBef>
+                <a:spcPts val="500"/>
+              </a:spcBef>
+              <a:buFont typeface="Arial" panose="020B0604020202020204" pitchFamily="34" charset="0"/>
+              <a:buChar char="•"/>
+              <a:defRPr sz="2000" kern="1200">
+                <a:solidFill>
+                  <a:schemeClr val="tx1"/>
+                </a:solidFill>
+                <a:latin typeface="+mn-lt"/>
+                <a:ea typeface="+mn-ea"/>
+                <a:cs typeface="+mn-cs"/>
+              </a:defRPr>
+            </a:lvl3pPr>
+            <a:lvl4pPr marL="1600200" indent="-228600" algn="l" defTabSz="914400" rtl="0" eaLnBrk="1" latinLnBrk="0" hangingPunct="1">
+              <a:lnSpc>
+                <a:spcPct val="90000"/>
+              </a:lnSpc>
+              <a:spcBef>
+                <a:spcPts val="500"/>
+              </a:spcBef>
+              <a:buFont typeface="Arial" panose="020B0604020202020204" pitchFamily="34" charset="0"/>
+              <a:buChar char="•"/>
+              <a:defRPr sz="1800" kern="1200">
+                <a:solidFill>
+                  <a:schemeClr val="tx1"/>
+                </a:solidFill>
+                <a:latin typeface="+mn-lt"/>
+                <a:ea typeface="+mn-ea"/>
+                <a:cs typeface="+mn-cs"/>
+              </a:defRPr>
+            </a:lvl4pPr>
+            <a:lvl5pPr marL="2057400" indent="-228600" algn="l" defTabSz="914400" rtl="0" eaLnBrk="1" latinLnBrk="0" hangingPunct="1">
+              <a:lnSpc>
+                <a:spcPct val="90000"/>
+              </a:lnSpc>
+              <a:spcBef>
+                <a:spcPts val="500"/>
+              </a:spcBef>
+              <a:buFont typeface="Arial" panose="020B0604020202020204" pitchFamily="34" charset="0"/>
+              <a:buChar char="•"/>
+              <a:defRPr sz="1800" kern="1200">
+                <a:solidFill>
+                  <a:schemeClr val="tx1"/>
+                </a:solidFill>
+                <a:latin typeface="+mn-lt"/>
+                <a:ea typeface="+mn-ea"/>
+                <a:cs typeface="+mn-cs"/>
+              </a:defRPr>
+            </a:lvl5pPr>
+            <a:lvl6pPr marL="2514600" indent="-228600" algn="l" defTabSz="914400" rtl="0" eaLnBrk="1" latinLnBrk="0" hangingPunct="1">
+              <a:lnSpc>
+                <a:spcPct val="90000"/>
+              </a:lnSpc>
+              <a:spcBef>
+                <a:spcPts val="500"/>
+              </a:spcBef>
+              <a:buFont typeface="Arial" panose="020B0604020202020204" pitchFamily="34" charset="0"/>
+              <a:buChar char="•"/>
+              <a:defRPr sz="1800" kern="1200">
+                <a:solidFill>
+                  <a:schemeClr val="tx1"/>
+                </a:solidFill>
+                <a:latin typeface="+mn-lt"/>
+                <a:ea typeface="+mn-ea"/>
+                <a:cs typeface="+mn-cs"/>
+              </a:defRPr>
+            </a:lvl6pPr>
+            <a:lvl7pPr marL="2971800" indent="-228600" algn="l" defTabSz="914400" rtl="0" eaLnBrk="1" latinLnBrk="0" hangingPunct="1">
+              <a:lnSpc>
+                <a:spcPct val="90000"/>
+              </a:lnSpc>
+              <a:spcBef>
+                <a:spcPts val="500"/>
+              </a:spcBef>
+              <a:buFont typeface="Arial" panose="020B0604020202020204" pitchFamily="34" charset="0"/>
+              <a:buChar char="•"/>
+              <a:defRPr sz="1800" kern="1200">
+                <a:solidFill>
+                  <a:schemeClr val="tx1"/>
+                </a:solidFill>
+                <a:latin typeface="+mn-lt"/>
+                <a:ea typeface="+mn-ea"/>
+                <a:cs typeface="+mn-cs"/>
+              </a:defRPr>
+            </a:lvl7pPr>
+            <a:lvl8pPr marL="3429000" indent="-228600" algn="l" defTabSz="914400" rtl="0" eaLnBrk="1" latinLnBrk="0" hangingPunct="1">
+              <a:lnSpc>
+                <a:spcPct val="90000"/>
+              </a:lnSpc>
+              <a:spcBef>
+                <a:spcPts val="500"/>
+              </a:spcBef>
+              <a:buFont typeface="Arial" panose="020B0604020202020204" pitchFamily="34" charset="0"/>
+              <a:buChar char="•"/>
+              <a:defRPr sz="1800" kern="1200">
+                <a:solidFill>
+                  <a:schemeClr val="tx1"/>
+                </a:solidFill>
+                <a:latin typeface="+mn-lt"/>
+                <a:ea typeface="+mn-ea"/>
+                <a:cs typeface="+mn-cs"/>
+              </a:defRPr>
+            </a:lvl8pPr>
+            <a:lvl9pPr marL="3886200" indent="-228600" algn="l" defTabSz="914400" rtl="0" eaLnBrk="1" latinLnBrk="0" hangingPunct="1">
+              <a:lnSpc>
+                <a:spcPct val="90000"/>
+              </a:lnSpc>
+              <a:spcBef>
+                <a:spcPts val="500"/>
+              </a:spcBef>
+              <a:buFont typeface="Arial" panose="020B0604020202020204" pitchFamily="34" charset="0"/>
+              <a:buChar char="•"/>
+              <a:defRPr sz="1800" kern="1200">
+                <a:solidFill>
+                  <a:schemeClr val="tx1"/>
+                </a:solidFill>
+                <a:latin typeface="+mn-lt"/>
+                <a:ea typeface="+mn-ea"/>
+                <a:cs typeface="+mn-cs"/>
+              </a:defRPr>
+            </a:lvl9pPr>
+          </a:lstStyle>
+          <a:p>
+            <a:pPr marL="223838" indent="1588">
+              <a:spcBef>
+                <a:spcPts val="1200"/>
+              </a:spcBef>
+              <a:buFont typeface="Arial" panose="020B0604020202020204" pitchFamily="34" charset="0"/>
+              <a:buNone/>
+            </a:pPr>
+            <a:r>
+              <a:rPr lang="en-US" sz="2200" dirty="0" smtClean="0">
+                <a:latin typeface="Courier New" pitchFamily="49" charset="0"/>
+                <a:cs typeface="Courier New" pitchFamily="49" charset="0"/>
+              </a:rPr>
+              <a:t>SELECT *</a:t>
+            </a:r>
+          </a:p>
+          <a:p>
+            <a:pPr marL="223838" indent="1588">
+              <a:buFont typeface="Arial" panose="020B0604020202020204" pitchFamily="34" charset="0"/>
+              <a:buNone/>
+            </a:pPr>
+            <a:r>
+              <a:rPr lang="en-US" sz="2200" dirty="0" smtClean="0">
+                <a:latin typeface="Courier New" pitchFamily="49" charset="0"/>
+                <a:cs typeface="Courier New" pitchFamily="49" charset="0"/>
+              </a:rPr>
+              <a:t>WHERE </a:t>
+            </a:r>
+          </a:p>
+          <a:p>
+            <a:pPr marL="223838" indent="1588">
+              <a:buFont typeface="Arial" panose="020B0604020202020204" pitchFamily="34" charset="0"/>
+              <a:buNone/>
+            </a:pPr>
+            <a:r>
+              <a:rPr lang="en-US" sz="2200" dirty="0" smtClean="0">
+                <a:latin typeface="Courier New" pitchFamily="49" charset="0"/>
+                <a:cs typeface="Courier New" pitchFamily="49" charset="0"/>
+              </a:rPr>
+              <a:t>{ </a:t>
+            </a:r>
+          </a:p>
+          <a:p>
+            <a:pPr marL="223838" indent="1588">
+              <a:buFont typeface="Arial" panose="020B0604020202020204" pitchFamily="34" charset="0"/>
+              <a:buNone/>
+              <a:tabLst>
+                <a:tab pos="465138" algn="l"/>
+                <a:tab pos="4122738" algn="l"/>
+              </a:tabLst>
+            </a:pPr>
+            <a:r>
+              <a:rPr lang="en-US" sz="2200" dirty="0" smtClean="0">
+                <a:latin typeface="Courier New" pitchFamily="49" charset="0"/>
+                <a:cs typeface="Courier New" pitchFamily="49" charset="0"/>
+              </a:rPr>
+              <a:t>	?y industry “Software”. </a:t>
+            </a:r>
+            <a:r>
+              <a:rPr lang="en-US" sz="2200" b="1" dirty="0" smtClean="0">
+                <a:latin typeface="Courier New" pitchFamily="49" charset="0"/>
+                <a:cs typeface="Courier New" pitchFamily="49" charset="0"/>
+              </a:rPr>
+              <a:t>t1</a:t>
+            </a:r>
+          </a:p>
+          <a:p>
+            <a:pPr marL="223838" indent="1588">
+              <a:buNone/>
+              <a:tabLst>
+                <a:tab pos="465138" algn="l"/>
+              </a:tabLst>
+            </a:pPr>
+            <a:r>
+              <a:rPr lang="en-US" sz="2200" dirty="0" smtClean="0">
+                <a:latin typeface="Courier New" pitchFamily="49" charset="0"/>
+                <a:cs typeface="Courier New" pitchFamily="49" charset="0"/>
+              </a:rPr>
+              <a:t>	{ ?x founder ?y. </a:t>
+            </a:r>
+            <a:r>
+              <a:rPr lang="en-US" sz="2200" b="1" dirty="0" smtClean="0">
+                <a:latin typeface="Courier New" pitchFamily="49" charset="0"/>
+                <a:cs typeface="Courier New" pitchFamily="49" charset="0"/>
+              </a:rPr>
+              <a:t>t2</a:t>
+            </a:r>
+            <a:r>
+              <a:rPr lang="en-US" sz="2200" dirty="0" smtClean="0">
+                <a:latin typeface="Courier New" pitchFamily="49" charset="0"/>
+                <a:cs typeface="Courier New" pitchFamily="49" charset="0"/>
+              </a:rPr>
+              <a:t> UNION</a:t>
+            </a:r>
+            <a:r>
+              <a:rPr lang="en-US" sz="2200" dirty="0">
+                <a:latin typeface="Courier New" pitchFamily="49" charset="0"/>
+                <a:cs typeface="Courier New" pitchFamily="49" charset="0"/>
+              </a:rPr>
+              <a:t> </a:t>
+            </a:r>
+            <a:r>
+              <a:rPr lang="en-US" sz="2200" dirty="0" smtClean="0">
+                <a:latin typeface="Courier New" pitchFamily="49" charset="0"/>
+                <a:cs typeface="Courier New" pitchFamily="49" charset="0"/>
+              </a:rPr>
+              <a:t> ?x member ?y. </a:t>
+            </a:r>
+            <a:r>
+              <a:rPr lang="en-US" sz="2200" b="1" dirty="0" smtClean="0">
+                <a:latin typeface="Courier New" pitchFamily="49" charset="0"/>
+                <a:cs typeface="Courier New" pitchFamily="49" charset="0"/>
+              </a:rPr>
+              <a:t>t3</a:t>
+            </a:r>
+            <a:r>
+              <a:rPr lang="en-US" sz="2200" dirty="0" smtClean="0">
+                <a:latin typeface="Courier New" pitchFamily="49" charset="0"/>
+                <a:cs typeface="Courier New" pitchFamily="49" charset="0"/>
+              </a:rPr>
+              <a:t>  }</a:t>
+            </a:r>
+          </a:p>
+          <a:p>
+            <a:pPr marL="223838" indent="1588">
+              <a:buFont typeface="Arial" panose="020B0604020202020204" pitchFamily="34" charset="0"/>
+              <a:buNone/>
+            </a:pPr>
+            <a:r>
+              <a:rPr lang="en-US" sz="2200" dirty="0" smtClean="0">
+                <a:latin typeface="Courier New" pitchFamily="49" charset="0"/>
+                <a:cs typeface="Courier New" pitchFamily="49" charset="0"/>
+              </a:rPr>
+              <a:t>}</a:t>
+            </a:r>
+            <a:endParaRPr lang="en-US" sz="3500" dirty="0" smtClean="0">
+              <a:latin typeface="Courier New" pitchFamily="49" charset="0"/>
+              <a:cs typeface="Courier New" pitchFamily="49" charset="0"/>
+            </a:endParaRPr>
+          </a:p>
+          <a:p>
+            <a:endParaRPr lang="en-US" dirty="0" smtClean="0"/>
+          </a:p>
+          <a:p>
+            <a:pPr marL="912813">
+              <a:spcBef>
+                <a:spcPts val="1200"/>
+              </a:spcBef>
+              <a:buFont typeface="Arial" panose="020B0604020202020204" pitchFamily="34" charset="0"/>
+              <a:buNone/>
+            </a:pPr>
+            <a:endParaRPr lang="en-US" sz="1600" dirty="0" smtClean="0"/>
+          </a:p>
+          <a:p>
+            <a:endParaRPr lang="en-US" dirty="0"/>
+          </a:p>
+        </p:txBody>
+      </p:sp>
+      <p:pic>
+        <p:nvPicPr>
+          <p:cNvPr id="16" name="Picture 15"/>
+          <p:cNvPicPr>
+            <a:picLocks noChangeAspect="1"/>
+          </p:cNvPicPr>
+          <p:nvPr/>
+        </p:nvPicPr>
+        <p:blipFill>
+          <a:blip r:embed="rId4"/>
+          <a:stretch>
+            <a:fillRect/>
+          </a:stretch>
+        </p:blipFill>
+        <p:spPr>
+          <a:xfrm>
+            <a:off x="10088215" y="2068557"/>
+            <a:ext cx="1041400" cy="292100"/>
+          </a:xfrm>
+          <a:prstGeom prst="rect">
+            <a:avLst/>
+          </a:prstGeom>
+        </p:spPr>
+      </p:pic>
+      <p:pic>
+        <p:nvPicPr>
+          <p:cNvPr id="17" name="Picture 16"/>
+          <p:cNvPicPr>
+            <a:picLocks noChangeAspect="1"/>
+          </p:cNvPicPr>
+          <p:nvPr/>
+        </p:nvPicPr>
+        <p:blipFill>
+          <a:blip r:embed="rId5"/>
+          <a:stretch>
+            <a:fillRect/>
+          </a:stretch>
+        </p:blipFill>
+        <p:spPr>
+          <a:xfrm>
+            <a:off x="9712478" y="2323452"/>
+            <a:ext cx="1079500" cy="736600"/>
+          </a:xfrm>
+          <a:prstGeom prst="rect">
+            <a:avLst/>
+          </a:prstGeom>
+        </p:spPr>
+      </p:pic>
+      <p:pic>
+        <p:nvPicPr>
+          <p:cNvPr id="18" name="Picture 17"/>
+          <p:cNvPicPr>
+            <a:picLocks noChangeAspect="1"/>
+          </p:cNvPicPr>
+          <p:nvPr/>
+        </p:nvPicPr>
+        <p:blipFill>
+          <a:blip r:embed="rId6"/>
+          <a:stretch>
+            <a:fillRect/>
+          </a:stretch>
+        </p:blipFill>
+        <p:spPr>
+          <a:xfrm>
+            <a:off x="10607156" y="1465508"/>
+            <a:ext cx="647700" cy="622300"/>
+          </a:xfrm>
+          <a:prstGeom prst="rect">
+            <a:avLst/>
+          </a:prstGeom>
+        </p:spPr>
+      </p:pic>
+      <p:pic>
+        <p:nvPicPr>
+          <p:cNvPr id="19" name="Picture 18"/>
+          <p:cNvPicPr>
+            <a:picLocks noChangeAspect="1"/>
+          </p:cNvPicPr>
+          <p:nvPr/>
+        </p:nvPicPr>
+        <p:blipFill rotWithShape="1">
+          <a:blip r:embed="rId7"/>
+          <a:srcRect l="14246"/>
+          <a:stretch/>
+        </p:blipFill>
+        <p:spPr>
+          <a:xfrm>
+            <a:off x="9933060" y="3044315"/>
+            <a:ext cx="555431" cy="635000"/>
+          </a:xfrm>
+          <a:prstGeom prst="rect">
+            <a:avLst/>
+          </a:prstGeom>
+        </p:spPr>
+      </p:pic>
+      <p:pic>
+        <p:nvPicPr>
+          <p:cNvPr id="20" name="Picture 19"/>
+          <p:cNvPicPr>
+            <a:picLocks noChangeAspect="1"/>
+          </p:cNvPicPr>
+          <p:nvPr/>
+        </p:nvPicPr>
+        <p:blipFill rotWithShape="1">
+          <a:blip r:embed="rId8"/>
+          <a:srcRect r="14089"/>
+          <a:stretch/>
+        </p:blipFill>
+        <p:spPr>
+          <a:xfrm>
+            <a:off x="9426369" y="3044603"/>
+            <a:ext cx="556448" cy="635000"/>
+          </a:xfrm>
+          <a:prstGeom prst="rect">
+            <a:avLst/>
+          </a:prstGeom>
+        </p:spPr>
+      </p:pic>
+      <p:pic>
+        <p:nvPicPr>
+          <p:cNvPr id="21" name="Picture 20"/>
+          <p:cNvPicPr>
+            <a:picLocks noChangeAspect="1"/>
+          </p:cNvPicPr>
+          <p:nvPr/>
+        </p:nvPicPr>
+        <p:blipFill rotWithShape="1">
+          <a:blip r:embed="rId9"/>
+          <a:srcRect l="36941" t="45963" r="48774" b="47385"/>
+          <a:stretch/>
+        </p:blipFill>
+        <p:spPr>
+          <a:xfrm>
+            <a:off x="9813545" y="3495708"/>
+            <a:ext cx="254000" cy="141941"/>
+          </a:xfrm>
+          <a:prstGeom prst="rect">
+            <a:avLst/>
+          </a:prstGeom>
+        </p:spPr>
+      </p:pic>
+    </p:spTree>
+    <p:extLst>
+      <p:ext uri="{BB962C8B-B14F-4D97-AF65-F5344CB8AC3E}">
+        <p14:creationId xmlns:p14="http://schemas.microsoft.com/office/powerpoint/2010/main" val="2620357052"/>
+      </p:ext>
+    </p:extLst>
+  </p:cSld>
+  <p:clrMapOvr>
+    <a:masterClrMapping/>
+  </p:clrMapOvr>
+  <p:timing>
+    <p:tnLst>
+      <p:par>
+        <p:cTn xmlns:p14="http://schemas.microsoft.com/office/powerpoint/2010/main" id="1" dur="indefinite" restart="never" nodeType="tmRoot"/>
+      </p:par>
+    </p:tnLst>
+  </p:timing>
+</p:sld>
+</file>
+
+<file path=ppt/slides/slide38.xml><?xml version="1.0" encoding="utf-8"?>
+<p:sld xmlns:a="http://schemas.openxmlformats.org/drawingml/2006/main" xmlns:r="http://schemas.openxmlformats.org/officeDocument/2006/relationships" xmlns:p="http://schemas.openxmlformats.org/presentationml/2006/main">
+  <p:cSld>
+    <p:spTree>
+      <p:nvGrpSpPr>
+        <p:cNvPr id="1" name=""/>
+        <p:cNvGrpSpPr/>
+        <p:nvPr/>
+      </p:nvGrpSpPr>
+      <p:grpSpPr>
+        <a:xfrm>
+          <a:off x="0" y="0"/>
+          <a:ext cx="0" cy="0"/>
+          <a:chOff x="0" y="0"/>
+          <a:chExt cx="0" cy="0"/>
+        </a:xfrm>
+      </p:grpSpPr>
+      <p:sp>
+        <p:nvSpPr>
+          <p:cNvPr id="4" name="Title 1"/>
+          <p:cNvSpPr>
+            <a:spLocks noGrp="1"/>
+          </p:cNvSpPr>
+          <p:nvPr>
+            <p:ph type="title"/>
+          </p:nvPr>
+        </p:nvSpPr>
+        <p:spPr/>
+        <p:txBody>
+          <a:bodyPr/>
+          <a:lstStyle/>
+          <a:p>
+            <a:pPr algn="ctr"/>
+            <a:r>
+              <a:rPr lang="en-US" dirty="0" smtClean="0"/>
+              <a:t>SQL Translation</a:t>
+            </a:r>
+            <a:endParaRPr lang="en-US" dirty="0"/>
+          </a:p>
+        </p:txBody>
+      </p:sp>
+      <p:pic>
+        <p:nvPicPr>
+          <p:cNvPr id="7" name="Picture 6"/>
+          <p:cNvPicPr>
+            <a:picLocks noChangeAspect="1"/>
+          </p:cNvPicPr>
+          <p:nvPr/>
+        </p:nvPicPr>
+        <p:blipFill>
+          <a:blip r:embed="rId2"/>
+          <a:stretch>
+            <a:fillRect/>
+          </a:stretch>
+        </p:blipFill>
+        <p:spPr>
+          <a:xfrm>
+            <a:off x="1169026" y="2467255"/>
+            <a:ext cx="647700" cy="622300"/>
+          </a:xfrm>
+          <a:prstGeom prst="rect">
+            <a:avLst/>
+          </a:prstGeom>
+        </p:spPr>
+      </p:pic>
+      <p:sp>
+        <p:nvSpPr>
+          <p:cNvPr id="13" name="Content Placeholder 2"/>
+          <p:cNvSpPr txBox="1">
+            <a:spLocks/>
+          </p:cNvSpPr>
+          <p:nvPr/>
+        </p:nvSpPr>
+        <p:spPr>
+          <a:xfrm>
+            <a:off x="2633584" y="2332828"/>
+            <a:ext cx="9320272" cy="3362719"/>
+          </a:xfrm>
+          <a:prstGeom prst="rect">
+            <a:avLst/>
+          </a:prstGeom>
+        </p:spPr>
+        <p:txBody>
+          <a:bodyPr vert="horz" lIns="91440" tIns="45720" rIns="91440" bIns="45720" rtlCol="0">
+            <a:normAutofit/>
+          </a:bodyPr>
+          <a:lstStyle>
+            <a:lvl1pPr marL="228600" indent="-228600" algn="l" defTabSz="914400" rtl="0" eaLnBrk="1" latinLnBrk="0" hangingPunct="1">
+              <a:lnSpc>
+                <a:spcPct val="90000"/>
+              </a:lnSpc>
+              <a:spcBef>
+                <a:spcPts val="1000"/>
+              </a:spcBef>
+              <a:buFont typeface="Arial" panose="020B0604020202020204" pitchFamily="34" charset="0"/>
+              <a:buChar char="•"/>
+              <a:defRPr sz="2800" kern="1200">
+                <a:solidFill>
+                  <a:schemeClr val="tx1"/>
+                </a:solidFill>
+                <a:latin typeface="+mn-lt"/>
+                <a:ea typeface="+mn-ea"/>
+                <a:cs typeface="+mn-cs"/>
+              </a:defRPr>
+            </a:lvl1pPr>
+            <a:lvl2pPr marL="685800" indent="-228600" algn="l" defTabSz="914400" rtl="0" eaLnBrk="1" latinLnBrk="0" hangingPunct="1">
+              <a:lnSpc>
+                <a:spcPct val="90000"/>
+              </a:lnSpc>
+              <a:spcBef>
+                <a:spcPts val="500"/>
+              </a:spcBef>
+              <a:buFont typeface="Arial" panose="020B0604020202020204" pitchFamily="34" charset="0"/>
+              <a:buChar char="•"/>
+              <a:defRPr sz="2400" kern="1200">
+                <a:solidFill>
+                  <a:schemeClr val="tx1"/>
+                </a:solidFill>
+                <a:latin typeface="+mn-lt"/>
+                <a:ea typeface="+mn-ea"/>
+                <a:cs typeface="+mn-cs"/>
+              </a:defRPr>
+            </a:lvl2pPr>
+            <a:lvl3pPr marL="1143000" indent="-228600" algn="l" defTabSz="914400" rtl="0" eaLnBrk="1" latinLnBrk="0" hangingPunct="1">
+              <a:lnSpc>
+                <a:spcPct val="90000"/>
+              </a:lnSpc>
+              <a:spcBef>
+                <a:spcPts val="500"/>
+              </a:spcBef>
+              <a:buFont typeface="Arial" panose="020B0604020202020204" pitchFamily="34" charset="0"/>
+              <a:buChar char="•"/>
+              <a:defRPr sz="2000" kern="1200">
+                <a:solidFill>
+                  <a:schemeClr val="tx1"/>
+                </a:solidFill>
+                <a:latin typeface="+mn-lt"/>
+                <a:ea typeface="+mn-ea"/>
+                <a:cs typeface="+mn-cs"/>
+              </a:defRPr>
+            </a:lvl3pPr>
+            <a:lvl4pPr marL="1600200" indent="-228600" algn="l" defTabSz="914400" rtl="0" eaLnBrk="1" latinLnBrk="0" hangingPunct="1">
+              <a:lnSpc>
+                <a:spcPct val="90000"/>
+              </a:lnSpc>
+              <a:spcBef>
+                <a:spcPts val="500"/>
+              </a:spcBef>
+              <a:buFont typeface="Arial" panose="020B0604020202020204" pitchFamily="34" charset="0"/>
+              <a:buChar char="•"/>
+              <a:defRPr sz="1800" kern="1200">
+                <a:solidFill>
+                  <a:schemeClr val="tx1"/>
+                </a:solidFill>
+                <a:latin typeface="+mn-lt"/>
+                <a:ea typeface="+mn-ea"/>
+                <a:cs typeface="+mn-cs"/>
+              </a:defRPr>
+            </a:lvl4pPr>
+            <a:lvl5pPr marL="2057400" indent="-228600" algn="l" defTabSz="914400" rtl="0" eaLnBrk="1" latinLnBrk="0" hangingPunct="1">
+              <a:lnSpc>
+                <a:spcPct val="90000"/>
+              </a:lnSpc>
+              <a:spcBef>
+                <a:spcPts val="500"/>
+              </a:spcBef>
+              <a:buFont typeface="Arial" panose="020B0604020202020204" pitchFamily="34" charset="0"/>
+              <a:buChar char="•"/>
+              <a:defRPr sz="1800" kern="1200">
+                <a:solidFill>
+                  <a:schemeClr val="tx1"/>
+                </a:solidFill>
+                <a:latin typeface="+mn-lt"/>
+                <a:ea typeface="+mn-ea"/>
+                <a:cs typeface="+mn-cs"/>
+              </a:defRPr>
+            </a:lvl5pPr>
+            <a:lvl6pPr marL="2514600" indent="-228600" algn="l" defTabSz="914400" rtl="0" eaLnBrk="1" latinLnBrk="0" hangingPunct="1">
+              <a:lnSpc>
+                <a:spcPct val="90000"/>
+              </a:lnSpc>
+              <a:spcBef>
+                <a:spcPts val="500"/>
+              </a:spcBef>
+              <a:buFont typeface="Arial" panose="020B0604020202020204" pitchFamily="34" charset="0"/>
+              <a:buChar char="•"/>
+              <a:defRPr sz="1800" kern="1200">
+                <a:solidFill>
+                  <a:schemeClr val="tx1"/>
+                </a:solidFill>
+                <a:latin typeface="+mn-lt"/>
+                <a:ea typeface="+mn-ea"/>
+                <a:cs typeface="+mn-cs"/>
+              </a:defRPr>
+            </a:lvl6pPr>
+            <a:lvl7pPr marL="2971800" indent="-228600" algn="l" defTabSz="914400" rtl="0" eaLnBrk="1" latinLnBrk="0" hangingPunct="1">
+              <a:lnSpc>
+                <a:spcPct val="90000"/>
+              </a:lnSpc>
+              <a:spcBef>
+                <a:spcPts val="500"/>
+              </a:spcBef>
+              <a:buFont typeface="Arial" panose="020B0604020202020204" pitchFamily="34" charset="0"/>
+              <a:buChar char="•"/>
+              <a:defRPr sz="1800" kern="1200">
+                <a:solidFill>
+                  <a:schemeClr val="tx1"/>
+                </a:solidFill>
+                <a:latin typeface="+mn-lt"/>
+                <a:ea typeface="+mn-ea"/>
+                <a:cs typeface="+mn-cs"/>
+              </a:defRPr>
+            </a:lvl7pPr>
+            <a:lvl8pPr marL="3429000" indent="-228600" algn="l" defTabSz="914400" rtl="0" eaLnBrk="1" latinLnBrk="0" hangingPunct="1">
+              <a:lnSpc>
+                <a:spcPct val="90000"/>
+              </a:lnSpc>
+              <a:spcBef>
+                <a:spcPts val="500"/>
+              </a:spcBef>
+              <a:buFont typeface="Arial" panose="020B0604020202020204" pitchFamily="34" charset="0"/>
+              <a:buChar char="•"/>
+              <a:defRPr sz="1800" kern="1200">
+                <a:solidFill>
+                  <a:schemeClr val="tx1"/>
+                </a:solidFill>
+                <a:latin typeface="+mn-lt"/>
+                <a:ea typeface="+mn-ea"/>
+                <a:cs typeface="+mn-cs"/>
+              </a:defRPr>
+            </a:lvl8pPr>
+            <a:lvl9pPr marL="3886200" indent="-228600" algn="l" defTabSz="914400" rtl="0" eaLnBrk="1" latinLnBrk="0" hangingPunct="1">
+              <a:lnSpc>
+                <a:spcPct val="90000"/>
+              </a:lnSpc>
+              <a:spcBef>
+                <a:spcPts val="500"/>
+              </a:spcBef>
+              <a:buFont typeface="Arial" panose="020B0604020202020204" pitchFamily="34" charset="0"/>
+              <a:buChar char="•"/>
+              <a:defRPr sz="1800" kern="1200">
+                <a:solidFill>
+                  <a:schemeClr val="tx1"/>
+                </a:solidFill>
+                <a:latin typeface="+mn-lt"/>
+                <a:ea typeface="+mn-ea"/>
+                <a:cs typeface="+mn-cs"/>
+              </a:defRPr>
+            </a:lvl9pPr>
+          </a:lstStyle>
+          <a:p>
             <a:pPr marL="0" indent="0">
               <a:buNone/>
             </a:pPr>
@@ -12589,14 +14025,14 @@
   <p:timing>
     <p:tnLst>
       <p:par>
-        <p:cTn id="1" dur="indefinite" restart="never" nodeType="tmRoot"/>
+        <p:cTn xmlns:p14="http://schemas.microsoft.com/office/powerpoint/2010/main" id="1" dur="indefinite" restart="never" nodeType="tmRoot"/>
       </p:par>
     </p:tnLst>
   </p:timing>
 </p:sld>
 </file>
 
-<file path=ppt/slides/slide37.xml><?xml version="1.0" encoding="utf-8"?>
+<file path=ppt/slides/slide39.xml><?xml version="1.0" encoding="utf-8"?>
 <p:sld xmlns:a="http://schemas.openxmlformats.org/drawingml/2006/main" xmlns:r="http://schemas.openxmlformats.org/officeDocument/2006/relationships" xmlns:p="http://schemas.openxmlformats.org/presentationml/2006/main">
   <p:cSld>
     <p:spTree>
@@ -13026,7 +14462,11 @@
             </a:pPr>
             <a:r>
               <a:rPr lang="en-US" sz="1600" dirty="0" smtClean="0"/>
-              <a:t>SELECT QT1DS.y</a:t>
+              <a:t>SELECT </a:t>
+            </a:r>
+            <a:r>
+              <a:rPr lang="en-US" sz="1600" dirty="0" smtClean="0"/>
+              <a:t>QT1RS.y</a:t>
             </a:r>
             <a:r>
               <a:rPr lang="en-US" sz="1600" dirty="0"/>
@@ -13126,7 +14566,7 @@
             </a:r>
             <a:r>
               <a:rPr lang="en-US" sz="1600" dirty="0" smtClean="0"/>
-              <a:t>QT1DS</a:t>
+              <a:t>QT1RS</a:t>
             </a:r>
             <a:endParaRPr lang="en-US" sz="1600" dirty="0"/>
           </a:p>
@@ -13151,7 +14591,7 @@
             </a:r>
             <a:r>
               <a:rPr lang="en-US" sz="1600" dirty="0" smtClean="0"/>
-              <a:t>QT1DS.y </a:t>
+              <a:t>QT1RS.y </a:t>
             </a:r>
             <a:r>
               <a:rPr lang="en-US" sz="1600" dirty="0"/>
@@ -13472,77 +14912,7 @@
   <p:timing>
     <p:tnLst>
       <p:par>
-        <p:cTn id="1" dur="indefinite" restart="never" nodeType="tmRoot"/>
-      </p:par>
-    </p:tnLst>
-  </p:timing>
-</p:sld>
-</file>
-
-<file path=ppt/slides/slide38.xml><?xml version="1.0" encoding="utf-8"?>
-<p:sld xmlns:a="http://schemas.openxmlformats.org/drawingml/2006/main" xmlns:r="http://schemas.openxmlformats.org/officeDocument/2006/relationships" xmlns:p="http://schemas.openxmlformats.org/presentationml/2006/main">
-  <p:cSld>
-    <p:spTree>
-      <p:nvGrpSpPr>
-        <p:cNvPr id="1" name=""/>
-        <p:cNvGrpSpPr/>
-        <p:nvPr/>
-      </p:nvGrpSpPr>
-      <p:grpSpPr>
-        <a:xfrm>
-          <a:off x="0" y="0"/>
-          <a:ext cx="0" cy="0"/>
-          <a:chOff x="0" y="0"/>
-          <a:chExt cx="0" cy="0"/>
-        </a:xfrm>
-      </p:grpSpPr>
-      <p:sp>
-        <p:nvSpPr>
-          <p:cNvPr id="3" name="Content Placeholder 2"/>
-          <p:cNvSpPr>
-            <a:spLocks noGrp="1"/>
-          </p:cNvSpPr>
-          <p:nvPr>
-            <p:ph idx="1"/>
-          </p:nvPr>
-        </p:nvSpPr>
-        <p:spPr>
-          <a:xfrm>
-            <a:off x="2680647" y="2506662"/>
-            <a:ext cx="10515600" cy="4351338"/>
-          </a:xfrm>
-        </p:spPr>
-        <p:txBody>
-          <a:bodyPr>
-            <a:normAutofit/>
-          </a:bodyPr>
-          <a:lstStyle/>
-          <a:p>
-            <a:pPr marL="0" indent="0">
-              <a:buNone/>
-            </a:pPr>
-            <a:r>
-              <a:rPr lang="en-US" sz="9600" dirty="0" smtClean="0"/>
-              <a:t>THANK YOU</a:t>
-            </a:r>
-            <a:endParaRPr lang="en-US" sz="9600" dirty="0"/>
-          </a:p>
-        </p:txBody>
-      </p:sp>
-    </p:spTree>
-    <p:extLst>
-      <p:ext uri="{BB962C8B-B14F-4D97-AF65-F5344CB8AC3E}">
-        <p14:creationId xmlns:p14="http://schemas.microsoft.com/office/powerpoint/2010/main" val="3903672938"/>
-      </p:ext>
-    </p:extLst>
-  </p:cSld>
-  <p:clrMapOvr>
-    <a:masterClrMapping/>
-  </p:clrMapOvr>
-  <p:timing>
-    <p:tnLst>
-      <p:par>
-        <p:cTn id="1" dur="indefinite" restart="never" nodeType="tmRoot"/>
+        <p:cTn xmlns:p14="http://schemas.microsoft.com/office/powerpoint/2010/main" id="1" dur="indefinite" restart="never" nodeType="tmRoot"/>
       </p:par>
     </p:tnLst>
   </p:timing>
@@ -13698,7 +15068,77 @@
   <p:timing>
     <p:tnLst>
       <p:par>
-        <p:cTn id="1" dur="indefinite" restart="never" nodeType="tmRoot"/>
+        <p:cTn xmlns:p14="http://schemas.microsoft.com/office/powerpoint/2010/main" id="1" dur="indefinite" restart="never" nodeType="tmRoot"/>
+      </p:par>
+    </p:tnLst>
+  </p:timing>
+</p:sld>
+</file>
+
+<file path=ppt/slides/slide40.xml><?xml version="1.0" encoding="utf-8"?>
+<p:sld xmlns:a="http://schemas.openxmlformats.org/drawingml/2006/main" xmlns:r="http://schemas.openxmlformats.org/officeDocument/2006/relationships" xmlns:p="http://schemas.openxmlformats.org/presentationml/2006/main">
+  <p:cSld>
+    <p:spTree>
+      <p:nvGrpSpPr>
+        <p:cNvPr id="1" name=""/>
+        <p:cNvGrpSpPr/>
+        <p:nvPr/>
+      </p:nvGrpSpPr>
+      <p:grpSpPr>
+        <a:xfrm>
+          <a:off x="0" y="0"/>
+          <a:ext cx="0" cy="0"/>
+          <a:chOff x="0" y="0"/>
+          <a:chExt cx="0" cy="0"/>
+        </a:xfrm>
+      </p:grpSpPr>
+      <p:sp>
+        <p:nvSpPr>
+          <p:cNvPr id="3" name="Content Placeholder 2"/>
+          <p:cNvSpPr>
+            <a:spLocks noGrp="1"/>
+          </p:cNvSpPr>
+          <p:nvPr>
+            <p:ph idx="1"/>
+          </p:nvPr>
+        </p:nvSpPr>
+        <p:spPr>
+          <a:xfrm>
+            <a:off x="2680647" y="2506662"/>
+            <a:ext cx="10515600" cy="4351338"/>
+          </a:xfrm>
+        </p:spPr>
+        <p:txBody>
+          <a:bodyPr>
+            <a:normAutofit/>
+          </a:bodyPr>
+          <a:lstStyle/>
+          <a:p>
+            <a:pPr marL="0" indent="0">
+              <a:buNone/>
+            </a:pPr>
+            <a:r>
+              <a:rPr lang="en-US" sz="9600" dirty="0" smtClean="0"/>
+              <a:t>THANK YOU</a:t>
+            </a:r>
+            <a:endParaRPr lang="en-US" sz="9600" dirty="0"/>
+          </a:p>
+        </p:txBody>
+      </p:sp>
+    </p:spTree>
+    <p:extLst>
+      <p:ext uri="{BB962C8B-B14F-4D97-AF65-F5344CB8AC3E}">
+        <p14:creationId xmlns:p14="http://schemas.microsoft.com/office/powerpoint/2010/main" val="3903672938"/>
+      </p:ext>
+    </p:extLst>
+  </p:cSld>
+  <p:clrMapOvr>
+    <a:masterClrMapping/>
+  </p:clrMapOvr>
+  <p:timing>
+    <p:tnLst>
+      <p:par>
+        <p:cTn xmlns:p14="http://schemas.microsoft.com/office/powerpoint/2010/main" id="1" dur="indefinite" restart="never" nodeType="tmRoot"/>
       </p:par>
     </p:tnLst>
   </p:timing>
@@ -13879,7 +15319,7 @@
   <p:timing>
     <p:tnLst>
       <p:par>
-        <p:cTn id="1" dur="indefinite" restart="never" nodeType="tmRoot"/>
+        <p:cTn xmlns:p14="http://schemas.microsoft.com/office/powerpoint/2010/main" id="1" dur="indefinite" restart="never" nodeType="tmRoot"/>
       </p:par>
     </p:tnLst>
   </p:timing>
@@ -14009,7 +15449,7 @@
   <p:timing>
     <p:tnLst>
       <p:par>
-        <p:cTn id="1" dur="indefinite" restart="never" nodeType="tmRoot"/>
+        <p:cTn xmlns:p14="http://schemas.microsoft.com/office/powerpoint/2010/main" id="1" dur="indefinite" restart="never" nodeType="tmRoot"/>
       </p:par>
     </p:tnLst>
   </p:timing>
@@ -14258,7 +15698,7 @@
   <p:timing>
     <p:tnLst>
       <p:par>
-        <p:cTn id="1" dur="indefinite" restart="never" nodeType="tmRoot"/>
+        <p:cTn xmlns:p14="http://schemas.microsoft.com/office/powerpoint/2010/main" id="1" dur="indefinite" restart="never" nodeType="tmRoot"/>
       </p:par>
     </p:tnLst>
   </p:timing>
@@ -14388,7 +15828,7 @@
   <p:timing>
     <p:tnLst>
       <p:par>
-        <p:cTn id="1" dur="indefinite" restart="never" nodeType="tmRoot"/>
+        <p:cTn xmlns:p14="http://schemas.microsoft.com/office/powerpoint/2010/main" id="1" dur="indefinite" restart="never" nodeType="tmRoot"/>
       </p:par>
     </p:tnLst>
   </p:timing>
@@ -14523,7 +15963,7 @@
   <p:timing>
     <p:tnLst>
       <p:par>
-        <p:cTn id="1" dur="indefinite" restart="never" nodeType="tmRoot"/>
+        <p:cTn xmlns:p14="http://schemas.microsoft.com/office/powerpoint/2010/main" id="1" dur="indefinite" restart="never" nodeType="tmRoot"/>
       </p:par>
     </p:tnLst>
   </p:timing>
@@ -14785,7 +16225,7 @@
   <a:extraClrSchemeLst/>
   <a:extLst>
     <a:ext uri="{05A4C25C-085E-4340-85A3-A5531E510DB2}">
-      <thm15:themeFamily xmlns:thm15="http://schemas.microsoft.com/office/thememl/2012/main" name="Office Theme" id="{62F939B6-93AF-4DB8-9C6B-D6C7DFDC589F}" vid="{4A3C46E8-61CC-4603-A589-7422A47A8E4A}"/>
+      <thm15:themeFamily xmlns:thm15="http://schemas.microsoft.com/office/thememl/2012/main" xmlns="" name="Office Theme" id="{62F939B6-93AF-4DB8-9C6B-D6C7DFDC589F}" vid="{4A3C46E8-61CC-4603-A589-7422A47A8E4A}"/>
     </a:ext>
   </a:extLst>
 </a:theme>

--- a/lsdm presentation/lsdm presentation.pptx
+++ b/lsdm presentation/lsdm presentation.pptx
@@ -148,7 +148,7 @@
   </p:defaultTextStyle>
   <p:extLst>
     <p:ext uri="{EFAFB233-063F-42B5-8137-9DF3F51BA10A}">
-      <p15:sldGuideLst xmlns:p15="http://schemas.microsoft.com/office/powerpoint/2012/main" xmlns="">
+      <p15:sldGuideLst xmlns="" xmlns:p15="http://schemas.microsoft.com/office/powerpoint/2012/main">
         <p15:guide id="1" orient="horz" pos="2160">
           <p15:clr>
             <a:srgbClr val="A4A3A4"/>
@@ -247,7 +247,7 @@
           <a:p>
             <a:fld id="{3AC4B939-504B-4EA1-87F9-128FFE636A01}" type="datetimeFigureOut">
               <a:rPr lang="en-US" smtClean="0"/>
-              <a:t>5/5/14</a:t>
+              <a:t>5/6/14</a:t>
             </a:fld>
             <a:endParaRPr lang="en-US" dirty="0"/>
           </a:p>
@@ -1323,7 +1323,7 @@
             <a:fld id="{57F88A5F-42E7-47C0-91C3-1212BDC78CAF}" type="datetimeFigureOut">
               <a:rPr lang="en-US" smtClean="0"/>
               <a:pPr/>
-              <a:t>5/5/14</a:t>
+              <a:t>5/6/14</a:t>
             </a:fld>
             <a:endParaRPr lang="en-US" dirty="0"/>
           </a:p>
@@ -1495,7 +1495,7 @@
             <a:fld id="{57F88A5F-42E7-47C0-91C3-1212BDC78CAF}" type="datetimeFigureOut">
               <a:rPr lang="en-US" smtClean="0"/>
               <a:pPr/>
-              <a:t>5/5/14</a:t>
+              <a:t>5/6/14</a:t>
             </a:fld>
             <a:endParaRPr lang="en-US" dirty="0"/>
           </a:p>
@@ -1677,7 +1677,7 @@
             <a:fld id="{57F88A5F-42E7-47C0-91C3-1212BDC78CAF}" type="datetimeFigureOut">
               <a:rPr lang="en-US" smtClean="0"/>
               <a:pPr/>
-              <a:t>5/5/14</a:t>
+              <a:t>5/6/14</a:t>
             </a:fld>
             <a:endParaRPr lang="en-US" dirty="0"/>
           </a:p>
@@ -1849,7 +1849,7 @@
             <a:fld id="{57F88A5F-42E7-47C0-91C3-1212BDC78CAF}" type="datetimeFigureOut">
               <a:rPr lang="en-US" smtClean="0"/>
               <a:pPr/>
-              <a:t>5/5/14</a:t>
+              <a:t>5/6/14</a:t>
             </a:fld>
             <a:endParaRPr lang="en-US" dirty="0"/>
           </a:p>
@@ -2097,7 +2097,7 @@
             <a:fld id="{57F88A5F-42E7-47C0-91C3-1212BDC78CAF}" type="datetimeFigureOut">
               <a:rPr lang="en-US" smtClean="0"/>
               <a:pPr/>
-              <a:t>5/5/14</a:t>
+              <a:t>5/6/14</a:t>
             </a:fld>
             <a:endParaRPr lang="en-US" dirty="0"/>
           </a:p>
@@ -2331,7 +2331,7 @@
             <a:fld id="{57F88A5F-42E7-47C0-91C3-1212BDC78CAF}" type="datetimeFigureOut">
               <a:rPr lang="en-US" smtClean="0"/>
               <a:pPr/>
-              <a:t>5/5/14</a:t>
+              <a:t>5/6/14</a:t>
             </a:fld>
             <a:endParaRPr lang="en-US" dirty="0"/>
           </a:p>
@@ -2700,7 +2700,7 @@
             <a:fld id="{57F88A5F-42E7-47C0-91C3-1212BDC78CAF}" type="datetimeFigureOut">
               <a:rPr lang="en-US" smtClean="0"/>
               <a:pPr/>
-              <a:t>5/5/14</a:t>
+              <a:t>5/6/14</a:t>
             </a:fld>
             <a:endParaRPr lang="en-US" dirty="0"/>
           </a:p>
@@ -2820,7 +2820,7 @@
             <a:fld id="{57F88A5F-42E7-47C0-91C3-1212BDC78CAF}" type="datetimeFigureOut">
               <a:rPr lang="en-US" smtClean="0"/>
               <a:pPr/>
-              <a:t>5/5/14</a:t>
+              <a:t>5/6/14</a:t>
             </a:fld>
             <a:endParaRPr lang="en-US" dirty="0"/>
           </a:p>
@@ -2917,7 +2917,7 @@
             <a:fld id="{57F88A5F-42E7-47C0-91C3-1212BDC78CAF}" type="datetimeFigureOut">
               <a:rPr lang="en-US" smtClean="0"/>
               <a:pPr/>
-              <a:t>5/5/14</a:t>
+              <a:t>5/6/14</a:t>
             </a:fld>
             <a:endParaRPr lang="en-US" dirty="0"/>
           </a:p>
@@ -3196,7 +3196,7 @@
             <a:fld id="{57F88A5F-42E7-47C0-91C3-1212BDC78CAF}" type="datetimeFigureOut">
               <a:rPr lang="en-US" smtClean="0"/>
               <a:pPr/>
-              <a:t>5/5/14</a:t>
+              <a:t>5/6/14</a:t>
             </a:fld>
             <a:endParaRPr lang="en-US" dirty="0"/>
           </a:p>
@@ -3451,7 +3451,7 @@
             <a:fld id="{57F88A5F-42E7-47C0-91C3-1212BDC78CAF}" type="datetimeFigureOut">
               <a:rPr lang="en-US" smtClean="0"/>
               <a:pPr/>
-              <a:t>5/5/14</a:t>
+              <a:t>5/6/14</a:t>
             </a:fld>
             <a:endParaRPr lang="en-US" dirty="0"/>
           </a:p>
@@ -3666,7 +3666,7 @@
             <a:fld id="{57F88A5F-42E7-47C0-91C3-1212BDC78CAF}" type="datetimeFigureOut">
               <a:rPr lang="en-US" smtClean="0"/>
               <a:pPr/>
-              <a:t>5/5/14</a:t>
+              <a:t>5/6/14</a:t>
             </a:fld>
             <a:endParaRPr lang="en-US" dirty="0"/>
           </a:p>
@@ -7298,15 +7298,23 @@
             </a:r>
             <a:r>
               <a:rPr lang="en-US" sz="2000" i="1" dirty="0"/>
-              <a:t> (t, t’) aren’t connected with OR pattern  </a:t>
-            </a:r>
-            <a:r>
-              <a:rPr lang="en-US" sz="2000" b="1" i="1" dirty="0"/>
-              <a:t>or</a:t>
+              <a:t> (t, t’) aren’t connected with OR </a:t>
+            </a:r>
+            <a:r>
+              <a:rPr lang="en-US" sz="2000" i="1" dirty="0" smtClean="0"/>
+              <a:t>pattern </a:t>
+            </a:r>
+            <a:r>
+              <a:rPr lang="en-US" sz="2000" b="1" i="1" dirty="0" smtClean="0"/>
+              <a:t>and </a:t>
+            </a:r>
+            <a:r>
+              <a:rPr lang="en-US" sz="2000" i="1" dirty="0" smtClean="0"/>
+              <a:t>t</a:t>
             </a:r>
             <a:r>
               <a:rPr lang="en-US" sz="2000" i="1" dirty="0"/>
-              <a:t> t’ isn’t guarded by t in Optional pattern.”</a:t>
+              <a:t>’ isn’t guarded by t in Optional pattern.”</a:t>
             </a:r>
           </a:p>
           <a:p>
@@ -7504,73 +7512,60 @@
           </a:p>
         </p:txBody>
       </p:sp>
+      <p:sp>
+        <p:nvSpPr>
+          <p:cNvPr id="9" name="TextBox 8"/>
+          <p:cNvSpPr txBox="1"/>
+          <p:nvPr/>
+        </p:nvSpPr>
+        <p:spPr>
+          <a:xfrm>
+            <a:off x="2133600" y="304801"/>
+            <a:ext cx="8077200" cy="584775"/>
+          </a:xfrm>
+          <a:prstGeom prst="rect">
+            <a:avLst/>
+          </a:prstGeom>
+          <a:noFill/>
+        </p:spPr>
+        <p:txBody>
+          <a:bodyPr wrap="square" rtlCol="0">
+            <a:spAutoFit/>
+          </a:bodyPr>
+          <a:lstStyle/>
+          <a:p>
+            <a:pPr algn="ctr"/>
+            <a:r>
+              <a:rPr lang="en-US" sz="3200" dirty="0"/>
+              <a:t>Data Flow Builder (4/4)</a:t>
+            </a:r>
+          </a:p>
+        </p:txBody>
+      </p:sp>
       <p:pic>
         <p:nvPicPr>
-          <p:cNvPr id="1033" name="Picture 9"/>
+          <p:cNvPr id="2" name="Picture 1"/>
           <p:cNvPicPr>
-            <a:picLocks noChangeAspect="1" noChangeArrowheads="1"/>
+            <a:picLocks noChangeAspect="1"/>
           </p:cNvPicPr>
           <p:nvPr/>
         </p:nvPicPr>
         <p:blipFill>
-          <a:blip r:embed="rId2">
-            <a:clrChange>
-              <a:clrFrom>
-                <a:srgbClr val="FFFFFF"/>
-              </a:clrFrom>
-              <a:clrTo>
-                <a:srgbClr val="FFFFFF">
-                  <a:alpha val="0"/>
-                </a:srgbClr>
-              </a:clrTo>
-            </a:clrChange>
-          </a:blip>
-          <a:srcRect/>
+          <a:blip r:embed="rId2"/>
           <a:stretch>
             <a:fillRect/>
           </a:stretch>
         </p:blipFill>
-        <p:spPr bwMode="auto">
-          <a:xfrm>
-            <a:off x="2286000" y="1752600"/>
-            <a:ext cx="7315200" cy="484450"/>
+        <p:spPr>
+          <a:xfrm>
+            <a:off x="2601688" y="1632857"/>
+            <a:ext cx="7048500" cy="495300"/>
           </a:xfrm>
           <a:prstGeom prst="rect">
             <a:avLst/>
           </a:prstGeom>
-          <a:noFill/>
         </p:spPr>
       </p:pic>
-      <p:sp>
-        <p:nvSpPr>
-          <p:cNvPr id="9" name="TextBox 8"/>
-          <p:cNvSpPr txBox="1"/>
-          <p:nvPr/>
-        </p:nvSpPr>
-        <p:spPr>
-          <a:xfrm>
-            <a:off x="2133600" y="304801"/>
-            <a:ext cx="8077200" cy="584775"/>
-          </a:xfrm>
-          <a:prstGeom prst="rect">
-            <a:avLst/>
-          </a:prstGeom>
-          <a:noFill/>
-        </p:spPr>
-        <p:txBody>
-          <a:bodyPr wrap="square" rtlCol="0">
-            <a:spAutoFit/>
-          </a:bodyPr>
-          <a:lstStyle/>
-          <a:p>
-            <a:pPr algn="ctr"/>
-            <a:r>
-              <a:rPr lang="en-US" sz="3200" dirty="0"/>
-              <a:t>Data Flow Builder (4/4)</a:t>
-            </a:r>
-          </a:p>
-        </p:txBody>
-      </p:sp>
     </p:spTree>
     <p:extLst>
       <p:ext uri="{BB962C8B-B14F-4D97-AF65-F5344CB8AC3E}">
@@ -14462,11 +14457,7 @@
             </a:pPr>
             <a:r>
               <a:rPr lang="en-US" sz="1600" dirty="0" smtClean="0"/>
-              <a:t>SELECT </a:t>
-            </a:r>
-            <a:r>
-              <a:rPr lang="en-US" sz="1600" dirty="0" smtClean="0"/>
-              <a:t>QT1RS.y</a:t>
+              <a:t>SELECT QT1RS.y</a:t>
             </a:r>
             <a:r>
               <a:rPr lang="en-US" sz="1600" dirty="0"/>
@@ -16225,7 +16216,7 @@
   <a:extraClrSchemeLst/>
   <a:extLst>
     <a:ext uri="{05A4C25C-085E-4340-85A3-A5531E510DB2}">
-      <thm15:themeFamily xmlns:thm15="http://schemas.microsoft.com/office/thememl/2012/main" xmlns="" name="Office Theme" id="{62F939B6-93AF-4DB8-9C6B-D6C7DFDC589F}" vid="{4A3C46E8-61CC-4603-A589-7422A47A8E4A}"/>
+      <thm15:themeFamily xmlns="" xmlns:thm15="http://schemas.microsoft.com/office/thememl/2012/main" name="Office Theme" id="{62F939B6-93AF-4DB8-9C6B-D6C7DFDC589F}" vid="{4A3C46E8-61CC-4603-A589-7422A47A8E4A}"/>
     </a:ext>
   </a:extLst>
 </a:theme>
